--- a/Prototype/HCI_Prototype_2.pptx
+++ b/Prototype/HCI_Prototype_2.pptx
@@ -206,7 +206,8 @@
           <a:p>
             <a:fld id="{7E3A1933-5C50-4FA7-9B1C-C6430CFD9E45}" type="datetimeFigureOut">
               <a:rPr lang="fr-FR" smtClean="0"/>
-              <a:t>20/03/2011</a:t>
+              <a:pPr/>
+              <a:t>31/03/2011</a:t>
             </a:fld>
             <a:endParaRPr lang="fr-FR"/>
           </a:p>
@@ -367,6 +368,7 @@
           <a:p>
             <a:fld id="{D0E77E66-72B2-40AD-BB08-A470E417D6DC}" type="slidenum">
               <a:rPr lang="fr-FR" smtClean="0"/>
+              <a:pPr/>
               <a:t>‹N°›</a:t>
             </a:fld>
             <a:endParaRPr lang="fr-FR"/>
@@ -538,6 +540,7 @@
           <a:p>
             <a:fld id="{D0E77E66-72B2-40AD-BB08-A470E417D6DC}" type="slidenum">
               <a:rPr lang="fr-FR" smtClean="0"/>
+              <a:pPr/>
               <a:t>1</a:t>
             </a:fld>
             <a:endParaRPr lang="fr-FR"/>
@@ -619,6 +622,7 @@
           <a:p>
             <a:fld id="{D0E77E66-72B2-40AD-BB08-A470E417D6DC}" type="slidenum">
               <a:rPr lang="fr-FR" smtClean="0"/>
+              <a:pPr/>
               <a:t>3</a:t>
             </a:fld>
             <a:endParaRPr lang="fr-FR"/>
@@ -814,7 +818,8 @@
           <a:p>
             <a:fld id="{1E1BD81B-7B79-497C-985E-7D9A5E2742B1}" type="datetime1">
               <a:rPr lang="en-GB" smtClean="0"/>
-              <a:t>20/03/2011</a:t>
+              <a:pPr/>
+              <a:t>31/03/2011</a:t>
             </a:fld>
             <a:endParaRPr lang="en-GB"/>
           </a:p>
@@ -980,7 +985,8 @@
           <a:p>
             <a:fld id="{52A853E0-52E8-4C95-8B14-AE1B418E74F5}" type="datetime1">
               <a:rPr lang="en-GB" smtClean="0"/>
-              <a:t>20/03/2011</a:t>
+              <a:pPr/>
+              <a:t>31/03/2011</a:t>
             </a:fld>
             <a:endParaRPr lang="en-GB"/>
           </a:p>
@@ -1156,7 +1162,8 @@
           <a:p>
             <a:fld id="{8B6C4141-57C5-40E2-A064-A01A90914467}" type="datetime1">
               <a:rPr lang="en-GB" smtClean="0"/>
-              <a:t>20/03/2011</a:t>
+              <a:pPr/>
+              <a:t>31/03/2011</a:t>
             </a:fld>
             <a:endParaRPr lang="en-GB"/>
           </a:p>
@@ -1322,7 +1329,8 @@
           <a:p>
             <a:fld id="{E5278CE1-FF8A-48E2-BB81-B630F2423F80}" type="datetime1">
               <a:rPr lang="en-GB" smtClean="0"/>
-              <a:t>20/03/2011</a:t>
+              <a:pPr/>
+              <a:t>31/03/2011</a:t>
             </a:fld>
             <a:endParaRPr lang="en-GB"/>
           </a:p>
@@ -1564,7 +1572,8 @@
           <a:p>
             <a:fld id="{E3A83044-01C8-4D1D-A0F6-D7502EC29AE4}" type="datetime1">
               <a:rPr lang="en-GB" smtClean="0"/>
-              <a:t>20/03/2011</a:t>
+              <a:pPr/>
+              <a:t>31/03/2011</a:t>
             </a:fld>
             <a:endParaRPr lang="en-GB"/>
           </a:p>
@@ -1848,7 +1857,8 @@
           <a:p>
             <a:fld id="{14142099-EFA3-4AB2-A312-7BC2181DF0CD}" type="datetime1">
               <a:rPr lang="en-GB" smtClean="0"/>
-              <a:t>20/03/2011</a:t>
+              <a:pPr/>
+              <a:t>31/03/2011</a:t>
             </a:fld>
             <a:endParaRPr lang="en-GB"/>
           </a:p>
@@ -2266,7 +2276,8 @@
           <a:p>
             <a:fld id="{670A085F-5C94-480F-8409-BFA78EE57ED8}" type="datetime1">
               <a:rPr lang="en-GB" smtClean="0"/>
-              <a:t>20/03/2011</a:t>
+              <a:pPr/>
+              <a:t>31/03/2011</a:t>
             </a:fld>
             <a:endParaRPr lang="en-GB"/>
           </a:p>
@@ -2380,7 +2391,8 @@
           <a:p>
             <a:fld id="{6D9D6038-9C1A-4E93-8280-7F2C8112CADA}" type="datetime1">
               <a:rPr lang="en-GB" smtClean="0"/>
-              <a:t>20/03/2011</a:t>
+              <a:pPr/>
+              <a:t>31/03/2011</a:t>
             </a:fld>
             <a:endParaRPr lang="en-GB"/>
           </a:p>
@@ -2471,7 +2483,8 @@
           <a:p>
             <a:fld id="{3FA3502D-A239-4D88-B549-35F7FBDF84E4}" type="datetime1">
               <a:rPr lang="en-GB" smtClean="0"/>
-              <a:t>20/03/2011</a:t>
+              <a:pPr/>
+              <a:t>31/03/2011</a:t>
             </a:fld>
             <a:endParaRPr lang="en-GB"/>
           </a:p>
@@ -2744,7 +2757,8 @@
           <a:p>
             <a:fld id="{E13B08E9-C771-48B0-B426-DE9DAF967BCA}" type="datetime1">
               <a:rPr lang="en-GB" smtClean="0"/>
-              <a:t>20/03/2011</a:t>
+              <a:pPr/>
+              <a:t>31/03/2011</a:t>
             </a:fld>
             <a:endParaRPr lang="en-GB"/>
           </a:p>
@@ -2993,7 +3007,8 @@
           <a:p>
             <a:fld id="{C29A158E-510F-45BB-914C-8F59AE8E8242}" type="datetime1">
               <a:rPr lang="en-GB" smtClean="0"/>
-              <a:t>20/03/2011</a:t>
+              <a:pPr/>
+              <a:t>31/03/2011</a:t>
             </a:fld>
             <a:endParaRPr lang="en-GB"/>
           </a:p>
@@ -3202,7 +3217,8 @@
           <a:p>
             <a:fld id="{2FFE19E6-FE60-482F-8A45-016E17E32AE7}" type="datetime1">
               <a:rPr lang="en-GB" smtClean="0"/>
-              <a:t>20/03/2011</a:t>
+              <a:pPr/>
+              <a:t>31/03/2011</a:t>
             </a:fld>
             <a:endParaRPr lang="en-GB"/>
           </a:p>
@@ -7155,32 +7171,6 @@
           </a:fontRef>
         </p:style>
       </p:cxnSp>
-      <p:pic>
-        <p:nvPicPr>
-          <p:cNvPr id="67" name="Picture 2" descr="C:\Users\u01sit11\Desktop\Capture.PNG"/>
-          <p:cNvPicPr>
-            <a:picLocks noChangeAspect="1" noChangeArrowheads="1"/>
-          </p:cNvPicPr>
-          <p:nvPr/>
-        </p:nvPicPr>
-        <p:blipFill>
-          <a:blip r:embed="rId2" cstate="print"/>
-          <a:srcRect/>
-          <a:stretch>
-            <a:fillRect/>
-          </a:stretch>
-        </p:blipFill>
-        <p:spPr bwMode="auto">
-          <a:xfrm>
-            <a:off x="6433707" y="2251078"/>
-            <a:ext cx="603817" cy="430328"/>
-          </a:xfrm>
-          <a:prstGeom prst="rect">
-            <a:avLst/>
-          </a:prstGeom>
-          <a:noFill/>
-        </p:spPr>
-      </p:pic>
       <p:sp>
         <p:nvSpPr>
           <p:cNvPr id="68" name="TextBox 80"/>
@@ -7219,8 +7209,8 @@
         </p:nvSpPr>
         <p:spPr>
           <a:xfrm>
-            <a:off x="7037524" y="2320937"/>
-            <a:ext cx="603817" cy="447884"/>
+            <a:off x="6948264" y="2320937"/>
+            <a:ext cx="693077" cy="276999"/>
           </a:xfrm>
           <a:prstGeom prst="rect">
             <a:avLst/>
@@ -7235,7 +7225,7 @@
           <a:p>
             <a:r>
               <a:rPr lang="en-GB" sz="1200" dirty="0" smtClean="0"/>
-              <a:t>T-Shirt</a:t>
+              <a:t>Trouser</a:t>
             </a:r>
             <a:endParaRPr lang="en-GB" sz="1200" dirty="0"/>
           </a:p>
@@ -7525,6 +7515,32 @@
           </a:p>
         </p:txBody>
       </p:sp>
+      <p:pic>
+        <p:nvPicPr>
+          <p:cNvPr id="81" name="Picture 4" descr="D:\Downloads\CA324063.jpg"/>
+          <p:cNvPicPr>
+            <a:picLocks noChangeAspect="1" noChangeArrowheads="1"/>
+          </p:cNvPicPr>
+          <p:nvPr/>
+        </p:nvPicPr>
+        <p:blipFill>
+          <a:blip r:embed="rId2" cstate="print"/>
+          <a:srcRect/>
+          <a:stretch>
+            <a:fillRect/>
+          </a:stretch>
+        </p:blipFill>
+        <p:spPr bwMode="auto">
+          <a:xfrm>
+            <a:off x="6516216" y="2276872"/>
+            <a:ext cx="391385" cy="504056"/>
+          </a:xfrm>
+          <a:prstGeom prst="rect">
+            <a:avLst/>
+          </a:prstGeom>
+          <a:noFill/>
+        </p:spPr>
+      </p:pic>
     </p:spTree>
   </p:cSld>
   <p:clrMapOvr>
@@ -8634,9 +8650,379 @@
           </a:fontRef>
         </p:style>
       </p:cxnSp>
+      <p:sp>
+        <p:nvSpPr>
+          <p:cNvPr id="68" name="TextBox 80"/>
+          <p:cNvSpPr txBox="1"/>
+          <p:nvPr/>
+        </p:nvSpPr>
+        <p:spPr>
+          <a:xfrm>
+            <a:off x="5916149" y="2390795"/>
+            <a:ext cx="345038" cy="268730"/>
+          </a:xfrm>
+          <a:prstGeom prst="rect">
+            <a:avLst/>
+          </a:prstGeom>
+          <a:noFill/>
+        </p:spPr>
+        <p:txBody>
+          <a:bodyPr wrap="square" rtlCol="0">
+            <a:spAutoFit/>
+          </a:bodyPr>
+          <a:lstStyle/>
+          <a:p>
+            <a:r>
+              <a:rPr lang="en-GB" sz="1200" dirty="0" smtClean="0"/>
+              <a:t>1</a:t>
+            </a:r>
+            <a:endParaRPr lang="en-GB" sz="1200" dirty="0"/>
+          </a:p>
+        </p:txBody>
+      </p:sp>
+      <p:sp>
+        <p:nvSpPr>
+          <p:cNvPr id="70" name="TextBox 82"/>
+          <p:cNvSpPr txBox="1"/>
+          <p:nvPr/>
+        </p:nvSpPr>
+        <p:spPr>
+          <a:xfrm>
+            <a:off x="7813860" y="2390795"/>
+            <a:ext cx="603817" cy="268730"/>
+          </a:xfrm>
+          <a:prstGeom prst="rect">
+            <a:avLst/>
+          </a:prstGeom>
+          <a:noFill/>
+        </p:spPr>
+        <p:txBody>
+          <a:bodyPr wrap="square" rtlCol="0">
+            <a:spAutoFit/>
+          </a:bodyPr>
+          <a:lstStyle/>
+          <a:p>
+            <a:r>
+              <a:rPr lang="en-GB" sz="1200" dirty="0" smtClean="0"/>
+              <a:t>10£</a:t>
+            </a:r>
+            <a:endParaRPr lang="en-GB" sz="1200" dirty="0"/>
+          </a:p>
+        </p:txBody>
+      </p:sp>
+      <p:sp>
+        <p:nvSpPr>
+          <p:cNvPr id="71" name="Rectangle 88"/>
+          <p:cNvSpPr/>
+          <p:nvPr/>
+        </p:nvSpPr>
+        <p:spPr>
+          <a:xfrm>
+            <a:off x="6174928" y="3159239"/>
+            <a:ext cx="2329009" cy="209576"/>
+          </a:xfrm>
+          <a:prstGeom prst="rect">
+            <a:avLst/>
+          </a:prstGeom>
+        </p:spPr>
+        <p:style>
+          <a:lnRef idx="2">
+            <a:schemeClr val="accent1">
+              <a:shade val="50000"/>
+            </a:schemeClr>
+          </a:lnRef>
+          <a:fillRef idx="1">
+            <a:schemeClr val="accent1"/>
+          </a:fillRef>
+          <a:effectRef idx="0">
+            <a:schemeClr val="accent1"/>
+          </a:effectRef>
+          <a:fontRef idx="minor">
+            <a:schemeClr val="lt1"/>
+          </a:fontRef>
+        </p:style>
+        <p:txBody>
+          <a:bodyPr rtlCol="0" anchor="ctr"/>
+          <a:lstStyle/>
+          <a:p>
+            <a:r>
+              <a:rPr lang="en-GB" sz="1400" dirty="0" smtClean="0"/>
+              <a:t>Subtotal:	             10£</a:t>
+            </a:r>
+            <a:endParaRPr lang="en-GB" sz="1400" dirty="0"/>
+          </a:p>
+        </p:txBody>
+      </p:sp>
+      <p:sp>
+        <p:nvSpPr>
+          <p:cNvPr id="72" name="Rectangle 17"/>
+          <p:cNvSpPr/>
+          <p:nvPr/>
+        </p:nvSpPr>
+        <p:spPr>
+          <a:xfrm>
+            <a:off x="395536" y="2762640"/>
+            <a:ext cx="4830537" cy="2934057"/>
+          </a:xfrm>
+          <a:prstGeom prst="rect">
+            <a:avLst/>
+          </a:prstGeom>
+          <a:solidFill>
+            <a:schemeClr val="bg1"/>
+          </a:solidFill>
+        </p:spPr>
+        <p:style>
+          <a:lnRef idx="2">
+            <a:schemeClr val="accent1">
+              <a:shade val="50000"/>
+            </a:schemeClr>
+          </a:lnRef>
+          <a:fillRef idx="1">
+            <a:schemeClr val="accent1"/>
+          </a:fillRef>
+          <a:effectRef idx="0">
+            <a:schemeClr val="accent1"/>
+          </a:effectRef>
+          <a:fontRef idx="minor">
+            <a:schemeClr val="lt1"/>
+          </a:fontRef>
+        </p:style>
+        <p:txBody>
+          <a:bodyPr rtlCol="0" anchor="ctr"/>
+          <a:lstStyle/>
+          <a:p>
+            <a:pPr algn="ctr"/>
+            <a:endParaRPr lang="en-GB"/>
+          </a:p>
+        </p:txBody>
+      </p:sp>
+      <p:sp>
+        <p:nvSpPr>
+          <p:cNvPr id="90" name="Rounded Rectangle 42"/>
+          <p:cNvSpPr/>
+          <p:nvPr/>
+        </p:nvSpPr>
+        <p:spPr>
+          <a:xfrm>
+            <a:off x="3932179" y="5238855"/>
+            <a:ext cx="1121375" cy="318125"/>
+          </a:xfrm>
+          <a:prstGeom prst="roundRect">
+            <a:avLst/>
+          </a:prstGeom>
+        </p:spPr>
+        <p:style>
+          <a:lnRef idx="2">
+            <a:schemeClr val="accent1">
+              <a:shade val="50000"/>
+            </a:schemeClr>
+          </a:lnRef>
+          <a:fillRef idx="1">
+            <a:schemeClr val="accent1"/>
+          </a:fillRef>
+          <a:effectRef idx="0">
+            <a:schemeClr val="accent1"/>
+          </a:effectRef>
+          <a:fontRef idx="minor">
+            <a:schemeClr val="lt1"/>
+          </a:fontRef>
+        </p:style>
+        <p:txBody>
+          <a:bodyPr rtlCol="0" anchor="ctr"/>
+          <a:lstStyle/>
+          <a:p>
+            <a:pPr algn="ctr"/>
+            <a:r>
+              <a:rPr lang="en-GB" sz="1200" dirty="0" smtClean="0"/>
+              <a:t>Next Step</a:t>
+            </a:r>
+            <a:endParaRPr lang="en-GB" sz="1200" dirty="0"/>
+          </a:p>
+        </p:txBody>
+      </p:sp>
+      <p:sp>
+        <p:nvSpPr>
+          <p:cNvPr id="37" name="TextBox 20"/>
+          <p:cNvSpPr txBox="1"/>
+          <p:nvPr/>
+        </p:nvSpPr>
+        <p:spPr>
+          <a:xfrm>
+            <a:off x="539552" y="2852936"/>
+            <a:ext cx="2932826" cy="307777"/>
+          </a:xfrm>
+          <a:prstGeom prst="rect">
+            <a:avLst/>
+          </a:prstGeom>
+          <a:noFill/>
+        </p:spPr>
+        <p:txBody>
+          <a:bodyPr wrap="square" rtlCol="0">
+            <a:spAutoFit/>
+          </a:bodyPr>
+          <a:lstStyle/>
+          <a:p>
+            <a:r>
+              <a:rPr lang="en-GB" sz="1400" b="1" dirty="0" smtClean="0"/>
+              <a:t>Payment options</a:t>
+            </a:r>
+            <a:endParaRPr lang="en-GB" sz="1400" b="1" dirty="0"/>
+          </a:p>
+        </p:txBody>
+      </p:sp>
+      <p:sp>
+        <p:nvSpPr>
+          <p:cNvPr id="40" name="TextBox 21"/>
+          <p:cNvSpPr txBox="1"/>
+          <p:nvPr/>
+        </p:nvSpPr>
+        <p:spPr>
+          <a:xfrm>
+            <a:off x="539552" y="3140968"/>
+            <a:ext cx="3096344" cy="276999"/>
+          </a:xfrm>
+          <a:prstGeom prst="rect">
+            <a:avLst/>
+          </a:prstGeom>
+          <a:noFill/>
+        </p:spPr>
+        <p:txBody>
+          <a:bodyPr wrap="square" rtlCol="0">
+            <a:spAutoFit/>
+          </a:bodyPr>
+          <a:lstStyle/>
+          <a:p>
+            <a:r>
+              <a:rPr lang="en-GB" sz="1200" dirty="0" smtClean="0"/>
+              <a:t>Please choose one of the following options.</a:t>
+            </a:r>
+            <a:endParaRPr lang="en-GB" sz="1200" dirty="0"/>
+          </a:p>
+        </p:txBody>
+      </p:sp>
+      <p:sp>
+        <p:nvSpPr>
+          <p:cNvPr id="42" name="TextBox 21"/>
+          <p:cNvSpPr txBox="1"/>
+          <p:nvPr/>
+        </p:nvSpPr>
+        <p:spPr>
+          <a:xfrm>
+            <a:off x="1115616" y="3429000"/>
+            <a:ext cx="1512168" cy="276999"/>
+          </a:xfrm>
+          <a:prstGeom prst="rect">
+            <a:avLst/>
+          </a:prstGeom>
+          <a:noFill/>
+        </p:spPr>
+        <p:txBody>
+          <a:bodyPr wrap="square" rtlCol="0">
+            <a:spAutoFit/>
+          </a:bodyPr>
+          <a:lstStyle/>
+          <a:p>
+            <a:r>
+              <a:rPr lang="en-GB" sz="1200" dirty="0" smtClean="0"/>
+              <a:t>Credit Card</a:t>
+            </a:r>
+            <a:endParaRPr lang="en-GB" sz="1200" dirty="0"/>
+          </a:p>
+        </p:txBody>
+      </p:sp>
+      <p:sp>
+        <p:nvSpPr>
+          <p:cNvPr id="44" name="TextBox 21"/>
+          <p:cNvSpPr txBox="1"/>
+          <p:nvPr/>
+        </p:nvSpPr>
+        <p:spPr>
+          <a:xfrm>
+            <a:off x="1115616" y="3717032"/>
+            <a:ext cx="1512168" cy="276999"/>
+          </a:xfrm>
+          <a:prstGeom prst="rect">
+            <a:avLst/>
+          </a:prstGeom>
+          <a:noFill/>
+        </p:spPr>
+        <p:txBody>
+          <a:bodyPr wrap="square" rtlCol="0">
+            <a:spAutoFit/>
+          </a:bodyPr>
+          <a:lstStyle/>
+          <a:p>
+            <a:r>
+              <a:rPr lang="en-GB" sz="1200" dirty="0" smtClean="0"/>
+              <a:t>Debit Card</a:t>
+            </a:r>
+            <a:endParaRPr lang="en-GB" sz="1200" dirty="0"/>
+          </a:p>
+        </p:txBody>
+      </p:sp>
+      <p:sp>
+        <p:nvSpPr>
+          <p:cNvPr id="45" name="TextBox 21"/>
+          <p:cNvSpPr txBox="1"/>
+          <p:nvPr/>
+        </p:nvSpPr>
+        <p:spPr>
+          <a:xfrm>
+            <a:off x="1115616" y="4005064"/>
+            <a:ext cx="1512168" cy="276999"/>
+          </a:xfrm>
+          <a:prstGeom prst="rect">
+            <a:avLst/>
+          </a:prstGeom>
+          <a:noFill/>
+        </p:spPr>
+        <p:txBody>
+          <a:bodyPr wrap="square" rtlCol="0">
+            <a:spAutoFit/>
+          </a:bodyPr>
+          <a:lstStyle/>
+          <a:p>
+            <a:r>
+              <a:rPr lang="en-GB" sz="1200" dirty="0" smtClean="0"/>
+              <a:t>Bank transfer</a:t>
+            </a:r>
+            <a:endParaRPr lang="en-GB" sz="1200" dirty="0"/>
+          </a:p>
+        </p:txBody>
+      </p:sp>
+      <p:sp>
+        <p:nvSpPr>
+          <p:cNvPr id="46" name="TextBox 21"/>
+          <p:cNvSpPr txBox="1"/>
+          <p:nvPr/>
+        </p:nvSpPr>
+        <p:spPr>
+          <a:xfrm>
+            <a:off x="1115616" y="4293096"/>
+            <a:ext cx="1512168" cy="276999"/>
+          </a:xfrm>
+          <a:prstGeom prst="rect">
+            <a:avLst/>
+          </a:prstGeom>
+          <a:noFill/>
+        </p:spPr>
+        <p:txBody>
+          <a:bodyPr wrap="square" rtlCol="0">
+            <a:spAutoFit/>
+          </a:bodyPr>
+          <a:lstStyle/>
+          <a:p>
+            <a:r>
+              <a:rPr lang="en-GB" sz="1200" dirty="0" smtClean="0"/>
+              <a:t>PayPal</a:t>
+            </a:r>
+            <a:endParaRPr lang="en-GB" sz="1200" dirty="0"/>
+          </a:p>
+        </p:txBody>
+      </p:sp>
       <p:pic>
         <p:nvPicPr>
-          <p:cNvPr id="67" name="Picture 2" descr="C:\Users\u01sit11\Desktop\Capture.PNG"/>
+          <p:cNvPr id="1027" name="Picture 3"/>
           <p:cNvPicPr>
             <a:picLocks noChangeAspect="1" noChangeArrowheads="1"/>
           </p:cNvPicPr>
@@ -8651,25 +9037,151 @@
         </p:blipFill>
         <p:spPr bwMode="auto">
           <a:xfrm>
-            <a:off x="6433707" y="2251078"/>
-            <a:ext cx="603817" cy="430328"/>
+            <a:off x="899592" y="3464432"/>
+            <a:ext cx="190500" cy="190500"/>
           </a:xfrm>
           <a:prstGeom prst="rect">
             <a:avLst/>
           </a:prstGeom>
           <a:noFill/>
+          <a:ln w="9525">
+            <a:noFill/>
+            <a:miter lim="800000"/>
+            <a:headEnd/>
+            <a:tailEnd/>
+          </a:ln>
         </p:spPr>
       </p:pic>
-      <p:sp>
-        <p:nvSpPr>
-          <p:cNvPr id="68" name="TextBox 80"/>
+      <p:pic>
+        <p:nvPicPr>
+          <p:cNvPr id="47" name="Picture 3"/>
+          <p:cNvPicPr>
+            <a:picLocks noChangeAspect="1" noChangeArrowheads="1"/>
+          </p:cNvPicPr>
+          <p:nvPr/>
+        </p:nvPicPr>
+        <p:blipFill>
+          <a:blip r:embed="rId2" cstate="print"/>
+          <a:srcRect/>
+          <a:stretch>
+            <a:fillRect/>
+          </a:stretch>
+        </p:blipFill>
+        <p:spPr bwMode="auto">
+          <a:xfrm>
+            <a:off x="899592" y="3762752"/>
+            <a:ext cx="190500" cy="190500"/>
+          </a:xfrm>
+          <a:prstGeom prst="rect">
+            <a:avLst/>
+          </a:prstGeom>
+          <a:noFill/>
+          <a:ln w="9525">
+            <a:noFill/>
+            <a:miter lim="800000"/>
+            <a:headEnd/>
+            <a:tailEnd/>
+          </a:ln>
+        </p:spPr>
+      </p:pic>
+      <p:pic>
+        <p:nvPicPr>
+          <p:cNvPr id="49" name="Picture 3"/>
+          <p:cNvPicPr>
+            <a:picLocks noChangeAspect="1" noChangeArrowheads="1"/>
+          </p:cNvPicPr>
+          <p:nvPr/>
+        </p:nvPicPr>
+        <p:blipFill>
+          <a:blip r:embed="rId2" cstate="print"/>
+          <a:srcRect/>
+          <a:stretch>
+            <a:fillRect/>
+          </a:stretch>
+        </p:blipFill>
+        <p:spPr bwMode="auto">
+          <a:xfrm>
+            <a:off x="899592" y="4041640"/>
+            <a:ext cx="190500" cy="190500"/>
+          </a:xfrm>
+          <a:prstGeom prst="rect">
+            <a:avLst/>
+          </a:prstGeom>
+          <a:noFill/>
+          <a:ln w="9525">
+            <a:noFill/>
+            <a:miter lim="800000"/>
+            <a:headEnd/>
+            <a:tailEnd/>
+          </a:ln>
+        </p:spPr>
+      </p:pic>
+      <p:pic>
+        <p:nvPicPr>
+          <p:cNvPr id="50" name="Picture 3"/>
+          <p:cNvPicPr>
+            <a:picLocks noChangeAspect="1" noChangeArrowheads="1"/>
+          </p:cNvPicPr>
+          <p:nvPr/>
+        </p:nvPicPr>
+        <p:blipFill>
+          <a:blip r:embed="rId2" cstate="print"/>
+          <a:srcRect/>
+          <a:stretch>
+            <a:fillRect/>
+          </a:stretch>
+        </p:blipFill>
+        <p:spPr bwMode="auto">
+          <a:xfrm>
+            <a:off x="899592" y="4329672"/>
+            <a:ext cx="190500" cy="190500"/>
+          </a:xfrm>
+          <a:prstGeom prst="rect">
+            <a:avLst/>
+          </a:prstGeom>
+          <a:noFill/>
+          <a:ln w="9525">
+            <a:noFill/>
+            <a:miter lim="800000"/>
+            <a:headEnd/>
+            <a:tailEnd/>
+          </a:ln>
+        </p:spPr>
+      </p:pic>
+      <p:sp>
+        <p:nvSpPr>
+          <p:cNvPr id="52" name="Espace réservé du numéro de diapositive 51"/>
+          <p:cNvSpPr>
+            <a:spLocks noGrp="1"/>
+          </p:cNvSpPr>
+          <p:nvPr>
+            <p:ph type="sldNum" sz="quarter" idx="12"/>
+          </p:nvPr>
+        </p:nvSpPr>
+        <p:spPr/>
+        <p:txBody>
+          <a:bodyPr/>
+          <a:lstStyle/>
+          <a:p>
+            <a:fld id="{3055DF15-42B6-4BFF-B68D-63E611223A70}" type="slidenum">
+              <a:rPr lang="en-GB" smtClean="0"/>
+              <a:pPr/>
+              <a:t>12</a:t>
+            </a:fld>
+            <a:endParaRPr lang="en-GB"/>
+          </a:p>
+        </p:txBody>
+      </p:sp>
+      <p:sp>
+        <p:nvSpPr>
+          <p:cNvPr id="51" name="TextBox 81"/>
           <p:cNvSpPr txBox="1"/>
           <p:nvPr/>
         </p:nvSpPr>
         <p:spPr>
           <a:xfrm>
-            <a:off x="5916149" y="2390795"/>
-            <a:ext cx="345038" cy="268730"/>
+            <a:off x="6948264" y="2320937"/>
+            <a:ext cx="693077" cy="276999"/>
           </a:xfrm>
           <a:prstGeom prst="rect">
             <a:avLst/>
@@ -8684,377 +9196,7 @@
           <a:p>
             <a:r>
               <a:rPr lang="en-GB" sz="1200" dirty="0" smtClean="0"/>
-              <a:t>1</a:t>
-            </a:r>
-            <a:endParaRPr lang="en-GB" sz="1200" dirty="0"/>
-          </a:p>
-        </p:txBody>
-      </p:sp>
-      <p:sp>
-        <p:nvSpPr>
-          <p:cNvPr id="69" name="TextBox 81"/>
-          <p:cNvSpPr txBox="1"/>
-          <p:nvPr/>
-        </p:nvSpPr>
-        <p:spPr>
-          <a:xfrm>
-            <a:off x="7037524" y="2320937"/>
-            <a:ext cx="603817" cy="447884"/>
-          </a:xfrm>
-          <a:prstGeom prst="rect">
-            <a:avLst/>
-          </a:prstGeom>
-          <a:noFill/>
-        </p:spPr>
-        <p:txBody>
-          <a:bodyPr wrap="square" rtlCol="0">
-            <a:spAutoFit/>
-          </a:bodyPr>
-          <a:lstStyle/>
-          <a:p>
-            <a:r>
-              <a:rPr lang="en-GB" sz="1200" dirty="0" smtClean="0"/>
-              <a:t>T-Shirt</a:t>
-            </a:r>
-            <a:endParaRPr lang="en-GB" sz="1200" dirty="0"/>
-          </a:p>
-        </p:txBody>
-      </p:sp>
-      <p:sp>
-        <p:nvSpPr>
-          <p:cNvPr id="70" name="TextBox 82"/>
-          <p:cNvSpPr txBox="1"/>
-          <p:nvPr/>
-        </p:nvSpPr>
-        <p:spPr>
-          <a:xfrm>
-            <a:off x="7813860" y="2390795"/>
-            <a:ext cx="603817" cy="268730"/>
-          </a:xfrm>
-          <a:prstGeom prst="rect">
-            <a:avLst/>
-          </a:prstGeom>
-          <a:noFill/>
-        </p:spPr>
-        <p:txBody>
-          <a:bodyPr wrap="square" rtlCol="0">
-            <a:spAutoFit/>
-          </a:bodyPr>
-          <a:lstStyle/>
-          <a:p>
-            <a:r>
-              <a:rPr lang="en-GB" sz="1200" dirty="0" smtClean="0"/>
-              <a:t>10£</a:t>
-            </a:r>
-            <a:endParaRPr lang="en-GB" sz="1200" dirty="0"/>
-          </a:p>
-        </p:txBody>
-      </p:sp>
-      <p:sp>
-        <p:nvSpPr>
-          <p:cNvPr id="71" name="Rectangle 88"/>
-          <p:cNvSpPr/>
-          <p:nvPr/>
-        </p:nvSpPr>
-        <p:spPr>
-          <a:xfrm>
-            <a:off x="6174928" y="3159239"/>
-            <a:ext cx="2329009" cy="209576"/>
-          </a:xfrm>
-          <a:prstGeom prst="rect">
-            <a:avLst/>
-          </a:prstGeom>
-        </p:spPr>
-        <p:style>
-          <a:lnRef idx="2">
-            <a:schemeClr val="accent1">
-              <a:shade val="50000"/>
-            </a:schemeClr>
-          </a:lnRef>
-          <a:fillRef idx="1">
-            <a:schemeClr val="accent1"/>
-          </a:fillRef>
-          <a:effectRef idx="0">
-            <a:schemeClr val="accent1"/>
-          </a:effectRef>
-          <a:fontRef idx="minor">
-            <a:schemeClr val="lt1"/>
-          </a:fontRef>
-        </p:style>
-        <p:txBody>
-          <a:bodyPr rtlCol="0" anchor="ctr"/>
-          <a:lstStyle/>
-          <a:p>
-            <a:r>
-              <a:rPr lang="en-GB" sz="1400" dirty="0" smtClean="0"/>
-              <a:t>Subtotal:	             10£</a:t>
-            </a:r>
-            <a:endParaRPr lang="en-GB" sz="1400" dirty="0"/>
-          </a:p>
-        </p:txBody>
-      </p:sp>
-      <p:sp>
-        <p:nvSpPr>
-          <p:cNvPr id="72" name="Rectangle 17"/>
-          <p:cNvSpPr/>
-          <p:nvPr/>
-        </p:nvSpPr>
-        <p:spPr>
-          <a:xfrm>
-            <a:off x="395536" y="2762640"/>
-            <a:ext cx="4830537" cy="2934057"/>
-          </a:xfrm>
-          <a:prstGeom prst="rect">
-            <a:avLst/>
-          </a:prstGeom>
-          <a:solidFill>
-            <a:schemeClr val="bg1"/>
-          </a:solidFill>
-        </p:spPr>
-        <p:style>
-          <a:lnRef idx="2">
-            <a:schemeClr val="accent1">
-              <a:shade val="50000"/>
-            </a:schemeClr>
-          </a:lnRef>
-          <a:fillRef idx="1">
-            <a:schemeClr val="accent1"/>
-          </a:fillRef>
-          <a:effectRef idx="0">
-            <a:schemeClr val="accent1"/>
-          </a:effectRef>
-          <a:fontRef idx="minor">
-            <a:schemeClr val="lt1"/>
-          </a:fontRef>
-        </p:style>
-        <p:txBody>
-          <a:bodyPr rtlCol="0" anchor="ctr"/>
-          <a:lstStyle/>
-          <a:p>
-            <a:pPr algn="ctr"/>
-            <a:endParaRPr lang="en-GB"/>
-          </a:p>
-        </p:txBody>
-      </p:sp>
-      <p:sp>
-        <p:nvSpPr>
-          <p:cNvPr id="90" name="Rounded Rectangle 42"/>
-          <p:cNvSpPr/>
-          <p:nvPr/>
-        </p:nvSpPr>
-        <p:spPr>
-          <a:xfrm>
-            <a:off x="3932179" y="5238855"/>
-            <a:ext cx="1121375" cy="318125"/>
-          </a:xfrm>
-          <a:prstGeom prst="roundRect">
-            <a:avLst/>
-          </a:prstGeom>
-        </p:spPr>
-        <p:style>
-          <a:lnRef idx="2">
-            <a:schemeClr val="accent1">
-              <a:shade val="50000"/>
-            </a:schemeClr>
-          </a:lnRef>
-          <a:fillRef idx="1">
-            <a:schemeClr val="accent1"/>
-          </a:fillRef>
-          <a:effectRef idx="0">
-            <a:schemeClr val="accent1"/>
-          </a:effectRef>
-          <a:fontRef idx="minor">
-            <a:schemeClr val="lt1"/>
-          </a:fontRef>
-        </p:style>
-        <p:txBody>
-          <a:bodyPr rtlCol="0" anchor="ctr"/>
-          <a:lstStyle/>
-          <a:p>
-            <a:pPr algn="ctr"/>
-            <a:r>
-              <a:rPr lang="en-GB" sz="1200" dirty="0" smtClean="0"/>
-              <a:t>Next Step</a:t>
-            </a:r>
-            <a:endParaRPr lang="en-GB" sz="1200" dirty="0"/>
-          </a:p>
-        </p:txBody>
-      </p:sp>
-      <p:sp>
-        <p:nvSpPr>
-          <p:cNvPr id="37" name="TextBox 20"/>
-          <p:cNvSpPr txBox="1"/>
-          <p:nvPr/>
-        </p:nvSpPr>
-        <p:spPr>
-          <a:xfrm>
-            <a:off x="539552" y="2852936"/>
-            <a:ext cx="2932826" cy="307777"/>
-          </a:xfrm>
-          <a:prstGeom prst="rect">
-            <a:avLst/>
-          </a:prstGeom>
-          <a:noFill/>
-        </p:spPr>
-        <p:txBody>
-          <a:bodyPr wrap="square" rtlCol="0">
-            <a:spAutoFit/>
-          </a:bodyPr>
-          <a:lstStyle/>
-          <a:p>
-            <a:r>
-              <a:rPr lang="en-GB" sz="1400" b="1" dirty="0" smtClean="0"/>
-              <a:t>Payment options</a:t>
-            </a:r>
-            <a:endParaRPr lang="en-GB" sz="1400" b="1" dirty="0"/>
-          </a:p>
-        </p:txBody>
-      </p:sp>
-      <p:sp>
-        <p:nvSpPr>
-          <p:cNvPr id="40" name="TextBox 21"/>
-          <p:cNvSpPr txBox="1"/>
-          <p:nvPr/>
-        </p:nvSpPr>
-        <p:spPr>
-          <a:xfrm>
-            <a:off x="539552" y="3140968"/>
-            <a:ext cx="3096344" cy="276999"/>
-          </a:xfrm>
-          <a:prstGeom prst="rect">
-            <a:avLst/>
-          </a:prstGeom>
-          <a:noFill/>
-        </p:spPr>
-        <p:txBody>
-          <a:bodyPr wrap="square" rtlCol="0">
-            <a:spAutoFit/>
-          </a:bodyPr>
-          <a:lstStyle/>
-          <a:p>
-            <a:r>
-              <a:rPr lang="en-GB" sz="1200" dirty="0" smtClean="0"/>
-              <a:t>Please choose one of the following options.</a:t>
-            </a:r>
-            <a:endParaRPr lang="en-GB" sz="1200" dirty="0"/>
-          </a:p>
-        </p:txBody>
-      </p:sp>
-      <p:sp>
-        <p:nvSpPr>
-          <p:cNvPr id="42" name="TextBox 21"/>
-          <p:cNvSpPr txBox="1"/>
-          <p:nvPr/>
-        </p:nvSpPr>
-        <p:spPr>
-          <a:xfrm>
-            <a:off x="1115616" y="3429000"/>
-            <a:ext cx="1512168" cy="276999"/>
-          </a:xfrm>
-          <a:prstGeom prst="rect">
-            <a:avLst/>
-          </a:prstGeom>
-          <a:noFill/>
-        </p:spPr>
-        <p:txBody>
-          <a:bodyPr wrap="square" rtlCol="0">
-            <a:spAutoFit/>
-          </a:bodyPr>
-          <a:lstStyle/>
-          <a:p>
-            <a:r>
-              <a:rPr lang="en-GB" sz="1200" dirty="0" smtClean="0"/>
-              <a:t>Credit Card</a:t>
-            </a:r>
-            <a:endParaRPr lang="en-GB" sz="1200" dirty="0"/>
-          </a:p>
-        </p:txBody>
-      </p:sp>
-      <p:sp>
-        <p:nvSpPr>
-          <p:cNvPr id="44" name="TextBox 21"/>
-          <p:cNvSpPr txBox="1"/>
-          <p:nvPr/>
-        </p:nvSpPr>
-        <p:spPr>
-          <a:xfrm>
-            <a:off x="1115616" y="3717032"/>
-            <a:ext cx="1512168" cy="276999"/>
-          </a:xfrm>
-          <a:prstGeom prst="rect">
-            <a:avLst/>
-          </a:prstGeom>
-          <a:noFill/>
-        </p:spPr>
-        <p:txBody>
-          <a:bodyPr wrap="square" rtlCol="0">
-            <a:spAutoFit/>
-          </a:bodyPr>
-          <a:lstStyle/>
-          <a:p>
-            <a:r>
-              <a:rPr lang="en-GB" sz="1200" dirty="0" smtClean="0"/>
-              <a:t>Debit Card</a:t>
-            </a:r>
-            <a:endParaRPr lang="en-GB" sz="1200" dirty="0"/>
-          </a:p>
-        </p:txBody>
-      </p:sp>
-      <p:sp>
-        <p:nvSpPr>
-          <p:cNvPr id="45" name="TextBox 21"/>
-          <p:cNvSpPr txBox="1"/>
-          <p:nvPr/>
-        </p:nvSpPr>
-        <p:spPr>
-          <a:xfrm>
-            <a:off x="1115616" y="4005064"/>
-            <a:ext cx="1512168" cy="276999"/>
-          </a:xfrm>
-          <a:prstGeom prst="rect">
-            <a:avLst/>
-          </a:prstGeom>
-          <a:noFill/>
-        </p:spPr>
-        <p:txBody>
-          <a:bodyPr wrap="square" rtlCol="0">
-            <a:spAutoFit/>
-          </a:bodyPr>
-          <a:lstStyle/>
-          <a:p>
-            <a:r>
-              <a:rPr lang="en-GB" sz="1200" dirty="0" smtClean="0"/>
-              <a:t>Bank transfer</a:t>
-            </a:r>
-            <a:endParaRPr lang="en-GB" sz="1200" dirty="0"/>
-          </a:p>
-        </p:txBody>
-      </p:sp>
-      <p:sp>
-        <p:nvSpPr>
-          <p:cNvPr id="46" name="TextBox 21"/>
-          <p:cNvSpPr txBox="1"/>
-          <p:nvPr/>
-        </p:nvSpPr>
-        <p:spPr>
-          <a:xfrm>
-            <a:off x="1115616" y="4293096"/>
-            <a:ext cx="1512168" cy="276999"/>
-          </a:xfrm>
-          <a:prstGeom prst="rect">
-            <a:avLst/>
-          </a:prstGeom>
-          <a:noFill/>
-        </p:spPr>
-        <p:txBody>
-          <a:bodyPr wrap="square" rtlCol="0">
-            <a:spAutoFit/>
-          </a:bodyPr>
-          <a:lstStyle/>
-          <a:p>
-            <a:r>
-              <a:rPr lang="en-GB" sz="1200" dirty="0" smtClean="0"/>
-              <a:t>PayPal</a:t>
+              <a:t>Trouser</a:t>
             </a:r>
             <a:endParaRPr lang="en-GB" sz="1200" dirty="0"/>
           </a:p>
@@ -9062,7 +9204,7 @@
       </p:sp>
       <p:pic>
         <p:nvPicPr>
-          <p:cNvPr id="1027" name="Picture 3"/>
+          <p:cNvPr id="54" name="Picture 4" descr="D:\Downloads\CA324063.jpg"/>
           <p:cNvPicPr>
             <a:picLocks noChangeAspect="1" noChangeArrowheads="1"/>
           </p:cNvPicPr>
@@ -9077,141 +9219,15 @@
         </p:blipFill>
         <p:spPr bwMode="auto">
           <a:xfrm>
-            <a:off x="899592" y="3464432"/>
-            <a:ext cx="190500" cy="190500"/>
+            <a:off x="6516216" y="2276872"/>
+            <a:ext cx="391385" cy="504056"/>
           </a:xfrm>
           <a:prstGeom prst="rect">
             <a:avLst/>
           </a:prstGeom>
           <a:noFill/>
-          <a:ln w="9525">
-            <a:noFill/>
-            <a:miter lim="800000"/>
-            <a:headEnd/>
-            <a:tailEnd/>
-          </a:ln>
         </p:spPr>
       </p:pic>
-      <p:pic>
-        <p:nvPicPr>
-          <p:cNvPr id="47" name="Picture 3"/>
-          <p:cNvPicPr>
-            <a:picLocks noChangeAspect="1" noChangeArrowheads="1"/>
-          </p:cNvPicPr>
-          <p:nvPr/>
-        </p:nvPicPr>
-        <p:blipFill>
-          <a:blip r:embed="rId3" cstate="print"/>
-          <a:srcRect/>
-          <a:stretch>
-            <a:fillRect/>
-          </a:stretch>
-        </p:blipFill>
-        <p:spPr bwMode="auto">
-          <a:xfrm>
-            <a:off x="899592" y="3762752"/>
-            <a:ext cx="190500" cy="190500"/>
-          </a:xfrm>
-          <a:prstGeom prst="rect">
-            <a:avLst/>
-          </a:prstGeom>
-          <a:noFill/>
-          <a:ln w="9525">
-            <a:noFill/>
-            <a:miter lim="800000"/>
-            <a:headEnd/>
-            <a:tailEnd/>
-          </a:ln>
-        </p:spPr>
-      </p:pic>
-      <p:pic>
-        <p:nvPicPr>
-          <p:cNvPr id="49" name="Picture 3"/>
-          <p:cNvPicPr>
-            <a:picLocks noChangeAspect="1" noChangeArrowheads="1"/>
-          </p:cNvPicPr>
-          <p:nvPr/>
-        </p:nvPicPr>
-        <p:blipFill>
-          <a:blip r:embed="rId3" cstate="print"/>
-          <a:srcRect/>
-          <a:stretch>
-            <a:fillRect/>
-          </a:stretch>
-        </p:blipFill>
-        <p:spPr bwMode="auto">
-          <a:xfrm>
-            <a:off x="899592" y="4041640"/>
-            <a:ext cx="190500" cy="190500"/>
-          </a:xfrm>
-          <a:prstGeom prst="rect">
-            <a:avLst/>
-          </a:prstGeom>
-          <a:noFill/>
-          <a:ln w="9525">
-            <a:noFill/>
-            <a:miter lim="800000"/>
-            <a:headEnd/>
-            <a:tailEnd/>
-          </a:ln>
-        </p:spPr>
-      </p:pic>
-      <p:pic>
-        <p:nvPicPr>
-          <p:cNvPr id="50" name="Picture 3"/>
-          <p:cNvPicPr>
-            <a:picLocks noChangeAspect="1" noChangeArrowheads="1"/>
-          </p:cNvPicPr>
-          <p:nvPr/>
-        </p:nvPicPr>
-        <p:blipFill>
-          <a:blip r:embed="rId3" cstate="print"/>
-          <a:srcRect/>
-          <a:stretch>
-            <a:fillRect/>
-          </a:stretch>
-        </p:blipFill>
-        <p:spPr bwMode="auto">
-          <a:xfrm>
-            <a:off x="899592" y="4329672"/>
-            <a:ext cx="190500" cy="190500"/>
-          </a:xfrm>
-          <a:prstGeom prst="rect">
-            <a:avLst/>
-          </a:prstGeom>
-          <a:noFill/>
-          <a:ln w="9525">
-            <a:noFill/>
-            <a:miter lim="800000"/>
-            <a:headEnd/>
-            <a:tailEnd/>
-          </a:ln>
-        </p:spPr>
-      </p:pic>
-      <p:sp>
-        <p:nvSpPr>
-          <p:cNvPr id="52" name="Espace réservé du numéro de diapositive 51"/>
-          <p:cNvSpPr>
-            <a:spLocks noGrp="1"/>
-          </p:cNvSpPr>
-          <p:nvPr>
-            <p:ph type="sldNum" sz="quarter" idx="12"/>
-          </p:nvPr>
-        </p:nvSpPr>
-        <p:spPr/>
-        <p:txBody>
-          <a:bodyPr/>
-          <a:lstStyle/>
-          <a:p>
-            <a:fld id="{3055DF15-42B6-4BFF-B68D-63E611223A70}" type="slidenum">
-              <a:rPr lang="en-GB" smtClean="0"/>
-              <a:pPr/>
-              <a:t>12</a:t>
-            </a:fld>
-            <a:endParaRPr lang="en-GB"/>
-          </a:p>
-        </p:txBody>
-      </p:sp>
     </p:spTree>
   </p:cSld>
   <p:clrMapOvr>
@@ -9803,27 +9819,7 @@
           <a:p>
             <a:r>
               <a:rPr lang="en-GB" sz="1400" dirty="0" smtClean="0"/>
-              <a:t>Guest checkout process second step: </a:t>
-            </a:r>
-            <a:r>
-              <a:rPr lang="en-GB" sz="1400" dirty="0" smtClean="0"/>
-              <a:t> if </a:t>
-            </a:r>
-            <a:r>
-              <a:rPr lang="en-GB" sz="1400" dirty="0" smtClean="0"/>
-              <a:t>“Credit </a:t>
-            </a:r>
-            <a:r>
-              <a:rPr lang="en-GB" sz="1400" dirty="0" smtClean="0"/>
-              <a:t>Card” is chosen, f</a:t>
-            </a:r>
-            <a:r>
-              <a:rPr lang="en-GB" sz="1400" dirty="0" smtClean="0"/>
-              <a:t>ill </a:t>
-            </a:r>
-            <a:r>
-              <a:rPr lang="en-GB" sz="1400" dirty="0" smtClean="0"/>
-              <a:t>in credit card details. </a:t>
+              <a:t>Guest checkout process second step:  if “Credit Card” is chosen, fill in credit card details. </a:t>
             </a:r>
             <a:endParaRPr lang="en-GB" sz="1400" dirty="0"/>
           </a:p>
@@ -10341,32 +10337,6 @@
           </a:fontRef>
         </p:style>
       </p:cxnSp>
-      <p:pic>
-        <p:nvPicPr>
-          <p:cNvPr id="67" name="Picture 2" descr="C:\Users\u01sit11\Desktop\Capture.PNG"/>
-          <p:cNvPicPr>
-            <a:picLocks noChangeAspect="1" noChangeArrowheads="1"/>
-          </p:cNvPicPr>
-          <p:nvPr/>
-        </p:nvPicPr>
-        <p:blipFill>
-          <a:blip r:embed="rId2" cstate="print"/>
-          <a:srcRect/>
-          <a:stretch>
-            <a:fillRect/>
-          </a:stretch>
-        </p:blipFill>
-        <p:spPr bwMode="auto">
-          <a:xfrm>
-            <a:off x="6433707" y="2251078"/>
-            <a:ext cx="603817" cy="430328"/>
-          </a:xfrm>
-          <a:prstGeom prst="rect">
-            <a:avLst/>
-          </a:prstGeom>
-          <a:noFill/>
-        </p:spPr>
-      </p:pic>
       <p:sp>
         <p:nvSpPr>
           <p:cNvPr id="68" name="TextBox 80"/>
@@ -10392,36 +10362,6 @@
             <a:r>
               <a:rPr lang="en-GB" sz="1200" dirty="0" smtClean="0"/>
               <a:t>1</a:t>
-            </a:r>
-            <a:endParaRPr lang="en-GB" sz="1200" dirty="0"/>
-          </a:p>
-        </p:txBody>
-      </p:sp>
-      <p:sp>
-        <p:nvSpPr>
-          <p:cNvPr id="69" name="TextBox 81"/>
-          <p:cNvSpPr txBox="1"/>
-          <p:nvPr/>
-        </p:nvSpPr>
-        <p:spPr>
-          <a:xfrm>
-            <a:off x="7037524" y="2320937"/>
-            <a:ext cx="603817" cy="447884"/>
-          </a:xfrm>
-          <a:prstGeom prst="rect">
-            <a:avLst/>
-          </a:prstGeom>
-          <a:noFill/>
-        </p:spPr>
-        <p:txBody>
-          <a:bodyPr wrap="square" rtlCol="0">
-            <a:spAutoFit/>
-          </a:bodyPr>
-          <a:lstStyle/>
-          <a:p>
-            <a:r>
-              <a:rPr lang="en-GB" sz="1200" dirty="0" smtClean="0"/>
-              <a:t>T-Shirt</a:t>
             </a:r>
             <a:endParaRPr lang="en-GB" sz="1200" dirty="0"/>
           </a:p>
@@ -10656,7 +10596,7 @@
           <p:nvPr/>
         </p:nvPicPr>
         <p:blipFill>
-          <a:blip r:embed="rId3" cstate="print"/>
+          <a:blip r:embed="rId2" cstate="print"/>
           <a:srcRect r="49152"/>
           <a:stretch>
             <a:fillRect/>
@@ -10688,7 +10628,7 @@
           <p:nvPr/>
         </p:nvPicPr>
         <p:blipFill>
-          <a:blip r:embed="rId3" cstate="print"/>
+          <a:blip r:embed="rId2" cstate="print"/>
           <a:srcRect l="50000"/>
           <a:stretch>
             <a:fillRect/>
@@ -10714,6 +10654,38 @@
       <p:pic>
         <p:nvPicPr>
           <p:cNvPr id="2053" name="Picture 5"/>
+          <p:cNvPicPr>
+            <a:picLocks noChangeAspect="1" noChangeArrowheads="1"/>
+          </p:cNvPicPr>
+          <p:nvPr/>
+        </p:nvPicPr>
+        <p:blipFill>
+          <a:blip r:embed="rId3" cstate="print"/>
+          <a:srcRect/>
+          <a:stretch>
+            <a:fillRect/>
+          </a:stretch>
+        </p:blipFill>
+        <p:spPr bwMode="auto">
+          <a:xfrm>
+            <a:off x="3923928" y="3429000"/>
+            <a:ext cx="360000" cy="360000"/>
+          </a:xfrm>
+          <a:prstGeom prst="rect">
+            <a:avLst/>
+          </a:prstGeom>
+          <a:noFill/>
+          <a:ln w="9525">
+            <a:noFill/>
+            <a:miter lim="800000"/>
+            <a:headEnd/>
+            <a:tailEnd/>
+          </a:ln>
+        </p:spPr>
+      </p:pic>
+      <p:pic>
+        <p:nvPicPr>
+          <p:cNvPr id="44" name="Picture 3"/>
           <p:cNvPicPr>
             <a:picLocks noChangeAspect="1" noChangeArrowheads="1"/>
           </p:cNvPicPr>
@@ -10728,8 +10700,8 @@
         </p:blipFill>
         <p:spPr bwMode="auto">
           <a:xfrm>
-            <a:off x="3923928" y="3429000"/>
-            <a:ext cx="360000" cy="360000"/>
+            <a:off x="755576" y="3501008"/>
+            <a:ext cx="190500" cy="190500"/>
           </a:xfrm>
           <a:prstGeom prst="rect">
             <a:avLst/>
@@ -10745,7 +10717,552 @@
       </p:pic>
       <p:pic>
         <p:nvPicPr>
-          <p:cNvPr id="44" name="Picture 3"/>
+          <p:cNvPr id="45" name="Picture 3"/>
+          <p:cNvPicPr>
+            <a:picLocks noChangeAspect="1" noChangeArrowheads="1"/>
+          </p:cNvPicPr>
+          <p:nvPr/>
+        </p:nvPicPr>
+        <p:blipFill>
+          <a:blip r:embed="rId4" cstate="print"/>
+          <a:srcRect/>
+          <a:stretch>
+            <a:fillRect/>
+          </a:stretch>
+        </p:blipFill>
+        <p:spPr bwMode="auto">
+          <a:xfrm>
+            <a:off x="3707904" y="3501008"/>
+            <a:ext cx="190500" cy="190500"/>
+          </a:xfrm>
+          <a:prstGeom prst="rect">
+            <a:avLst/>
+          </a:prstGeom>
+          <a:noFill/>
+          <a:ln w="9525">
+            <a:noFill/>
+            <a:miter lim="800000"/>
+            <a:headEnd/>
+            <a:tailEnd/>
+          </a:ln>
+        </p:spPr>
+      </p:pic>
+      <p:pic>
+        <p:nvPicPr>
+          <p:cNvPr id="46" name="Picture 3"/>
+          <p:cNvPicPr>
+            <a:picLocks noChangeAspect="1" noChangeArrowheads="1"/>
+          </p:cNvPicPr>
+          <p:nvPr/>
+        </p:nvPicPr>
+        <p:blipFill>
+          <a:blip r:embed="rId4" cstate="print"/>
+          <a:srcRect/>
+          <a:stretch>
+            <a:fillRect/>
+          </a:stretch>
+        </p:blipFill>
+        <p:spPr bwMode="auto">
+          <a:xfrm>
+            <a:off x="2267744" y="3501008"/>
+            <a:ext cx="190500" cy="190500"/>
+          </a:xfrm>
+          <a:prstGeom prst="rect">
+            <a:avLst/>
+          </a:prstGeom>
+          <a:noFill/>
+          <a:ln w="9525">
+            <a:noFill/>
+            <a:miter lim="800000"/>
+            <a:headEnd/>
+            <a:tailEnd/>
+          </a:ln>
+        </p:spPr>
+      </p:pic>
+      <p:sp>
+        <p:nvSpPr>
+          <p:cNvPr id="47" name="TextBox 21"/>
+          <p:cNvSpPr txBox="1"/>
+          <p:nvPr/>
+        </p:nvSpPr>
+        <p:spPr>
+          <a:xfrm>
+            <a:off x="539552" y="3789040"/>
+            <a:ext cx="1526419" cy="276999"/>
+          </a:xfrm>
+          <a:prstGeom prst="rect">
+            <a:avLst/>
+          </a:prstGeom>
+          <a:noFill/>
+        </p:spPr>
+        <p:txBody>
+          <a:bodyPr wrap="square" rtlCol="0">
+            <a:spAutoFit/>
+          </a:bodyPr>
+          <a:lstStyle/>
+          <a:p>
+            <a:r>
+              <a:rPr lang="en-GB" sz="1200" dirty="0" smtClean="0"/>
+              <a:t>Card holder’s name</a:t>
+            </a:r>
+            <a:endParaRPr lang="en-GB" sz="1200" dirty="0"/>
+          </a:p>
+        </p:txBody>
+      </p:sp>
+      <p:sp>
+        <p:nvSpPr>
+          <p:cNvPr id="49" name="Rectangle 23"/>
+          <p:cNvSpPr/>
+          <p:nvPr/>
+        </p:nvSpPr>
+        <p:spPr>
+          <a:xfrm>
+            <a:off x="611560" y="4077072"/>
+            <a:ext cx="2016224" cy="216024"/>
+          </a:xfrm>
+          <a:prstGeom prst="rect">
+            <a:avLst/>
+          </a:prstGeom>
+          <a:solidFill>
+            <a:schemeClr val="bg1"/>
+          </a:solidFill>
+        </p:spPr>
+        <p:style>
+          <a:lnRef idx="2">
+            <a:schemeClr val="accent1">
+              <a:shade val="50000"/>
+            </a:schemeClr>
+          </a:lnRef>
+          <a:fillRef idx="1">
+            <a:schemeClr val="accent1"/>
+          </a:fillRef>
+          <a:effectRef idx="0">
+            <a:schemeClr val="accent1"/>
+          </a:effectRef>
+          <a:fontRef idx="minor">
+            <a:schemeClr val="lt1"/>
+          </a:fontRef>
+        </p:style>
+        <p:txBody>
+          <a:bodyPr rtlCol="0" anchor="ctr"/>
+          <a:lstStyle/>
+          <a:p>
+            <a:pPr algn="ctr"/>
+            <a:endParaRPr lang="en-GB"/>
+          </a:p>
+        </p:txBody>
+      </p:sp>
+      <p:sp>
+        <p:nvSpPr>
+          <p:cNvPr id="50" name="TextBox 26"/>
+          <p:cNvSpPr txBox="1"/>
+          <p:nvPr/>
+        </p:nvSpPr>
+        <p:spPr>
+          <a:xfrm>
+            <a:off x="539552" y="4365104"/>
+            <a:ext cx="1742443" cy="276999"/>
+          </a:xfrm>
+          <a:prstGeom prst="rect">
+            <a:avLst/>
+          </a:prstGeom>
+          <a:noFill/>
+        </p:spPr>
+        <p:txBody>
+          <a:bodyPr wrap="square" rtlCol="0">
+            <a:spAutoFit/>
+          </a:bodyPr>
+          <a:lstStyle/>
+          <a:p>
+            <a:r>
+              <a:rPr lang="en-GB" sz="1200" dirty="0" smtClean="0"/>
+              <a:t>Card holder’s address</a:t>
+            </a:r>
+            <a:endParaRPr lang="en-GB" sz="1200" dirty="0"/>
+          </a:p>
+        </p:txBody>
+      </p:sp>
+      <p:sp>
+        <p:nvSpPr>
+          <p:cNvPr id="51" name="Rectangle 27"/>
+          <p:cNvSpPr/>
+          <p:nvPr/>
+        </p:nvSpPr>
+        <p:spPr>
+          <a:xfrm>
+            <a:off x="611560" y="4875608"/>
+            <a:ext cx="2016224" cy="209576"/>
+          </a:xfrm>
+          <a:prstGeom prst="rect">
+            <a:avLst/>
+          </a:prstGeom>
+          <a:solidFill>
+            <a:schemeClr val="bg1"/>
+          </a:solidFill>
+        </p:spPr>
+        <p:style>
+          <a:lnRef idx="2">
+            <a:schemeClr val="accent1">
+              <a:shade val="50000"/>
+            </a:schemeClr>
+          </a:lnRef>
+          <a:fillRef idx="1">
+            <a:schemeClr val="accent1"/>
+          </a:fillRef>
+          <a:effectRef idx="0">
+            <a:schemeClr val="accent1"/>
+          </a:effectRef>
+          <a:fontRef idx="minor">
+            <a:schemeClr val="lt1"/>
+          </a:fontRef>
+        </p:style>
+        <p:txBody>
+          <a:bodyPr rtlCol="0" anchor="ctr"/>
+          <a:lstStyle/>
+          <a:p>
+            <a:pPr algn="ctr"/>
+            <a:endParaRPr lang="en-GB"/>
+          </a:p>
+        </p:txBody>
+      </p:sp>
+      <p:sp>
+        <p:nvSpPr>
+          <p:cNvPr id="53" name="Rectangle 31"/>
+          <p:cNvSpPr/>
+          <p:nvPr/>
+        </p:nvSpPr>
+        <p:spPr>
+          <a:xfrm>
+            <a:off x="611560" y="5085184"/>
+            <a:ext cx="2016224" cy="216024"/>
+          </a:xfrm>
+          <a:prstGeom prst="rect">
+            <a:avLst/>
+          </a:prstGeom>
+          <a:solidFill>
+            <a:schemeClr val="bg1"/>
+          </a:solidFill>
+        </p:spPr>
+        <p:style>
+          <a:lnRef idx="2">
+            <a:schemeClr val="accent1">
+              <a:shade val="50000"/>
+            </a:schemeClr>
+          </a:lnRef>
+          <a:fillRef idx="1">
+            <a:schemeClr val="accent1"/>
+          </a:fillRef>
+          <a:effectRef idx="0">
+            <a:schemeClr val="accent1"/>
+          </a:effectRef>
+          <a:fontRef idx="minor">
+            <a:schemeClr val="lt1"/>
+          </a:fontRef>
+        </p:style>
+        <p:txBody>
+          <a:bodyPr rtlCol="0" anchor="ctr"/>
+          <a:lstStyle/>
+          <a:p>
+            <a:pPr algn="ctr"/>
+            <a:endParaRPr lang="en-GB"/>
+          </a:p>
+        </p:txBody>
+      </p:sp>
+      <p:sp>
+        <p:nvSpPr>
+          <p:cNvPr id="54" name="Rectangle 31"/>
+          <p:cNvSpPr/>
+          <p:nvPr/>
+        </p:nvSpPr>
+        <p:spPr>
+          <a:xfrm>
+            <a:off x="611560" y="5301208"/>
+            <a:ext cx="2016224" cy="216024"/>
+          </a:xfrm>
+          <a:prstGeom prst="rect">
+            <a:avLst/>
+          </a:prstGeom>
+          <a:solidFill>
+            <a:schemeClr val="bg1"/>
+          </a:solidFill>
+        </p:spPr>
+        <p:style>
+          <a:lnRef idx="2">
+            <a:schemeClr val="accent1">
+              <a:shade val="50000"/>
+            </a:schemeClr>
+          </a:lnRef>
+          <a:fillRef idx="1">
+            <a:schemeClr val="accent1"/>
+          </a:fillRef>
+          <a:effectRef idx="0">
+            <a:schemeClr val="accent1"/>
+          </a:effectRef>
+          <a:fontRef idx="minor">
+            <a:schemeClr val="lt1"/>
+          </a:fontRef>
+        </p:style>
+        <p:txBody>
+          <a:bodyPr rtlCol="0" anchor="ctr"/>
+          <a:lstStyle/>
+          <a:p>
+            <a:pPr algn="ctr"/>
+            <a:endParaRPr lang="en-GB"/>
+          </a:p>
+        </p:txBody>
+      </p:sp>
+      <p:sp>
+        <p:nvSpPr>
+          <p:cNvPr id="55" name="TextBox 21"/>
+          <p:cNvSpPr txBox="1"/>
+          <p:nvPr/>
+        </p:nvSpPr>
+        <p:spPr>
+          <a:xfrm>
+            <a:off x="2901564" y="3811611"/>
+            <a:ext cx="1526419" cy="276999"/>
+          </a:xfrm>
+          <a:prstGeom prst="rect">
+            <a:avLst/>
+          </a:prstGeom>
+          <a:noFill/>
+        </p:spPr>
+        <p:txBody>
+          <a:bodyPr wrap="square" rtlCol="0">
+            <a:spAutoFit/>
+          </a:bodyPr>
+          <a:lstStyle/>
+          <a:p>
+            <a:r>
+              <a:rPr lang="en-GB" sz="1200" dirty="0" smtClean="0"/>
+              <a:t>Card number</a:t>
+            </a:r>
+            <a:endParaRPr lang="en-GB" sz="1200" dirty="0"/>
+          </a:p>
+        </p:txBody>
+      </p:sp>
+      <p:sp>
+        <p:nvSpPr>
+          <p:cNvPr id="56" name="Rectangle 23"/>
+          <p:cNvSpPr/>
+          <p:nvPr/>
+        </p:nvSpPr>
+        <p:spPr>
+          <a:xfrm>
+            <a:off x="2987824" y="4077072"/>
+            <a:ext cx="2016224" cy="216024"/>
+          </a:xfrm>
+          <a:prstGeom prst="rect">
+            <a:avLst/>
+          </a:prstGeom>
+          <a:solidFill>
+            <a:schemeClr val="bg1"/>
+          </a:solidFill>
+        </p:spPr>
+        <p:style>
+          <a:lnRef idx="2">
+            <a:schemeClr val="accent1">
+              <a:shade val="50000"/>
+            </a:schemeClr>
+          </a:lnRef>
+          <a:fillRef idx="1">
+            <a:schemeClr val="accent1"/>
+          </a:fillRef>
+          <a:effectRef idx="0">
+            <a:schemeClr val="accent1"/>
+          </a:effectRef>
+          <a:fontRef idx="minor">
+            <a:schemeClr val="lt1"/>
+          </a:fontRef>
+        </p:style>
+        <p:txBody>
+          <a:bodyPr rtlCol="0" anchor="ctr"/>
+          <a:lstStyle/>
+          <a:p>
+            <a:pPr algn="ctr"/>
+            <a:endParaRPr lang="en-GB"/>
+          </a:p>
+        </p:txBody>
+      </p:sp>
+      <p:sp>
+        <p:nvSpPr>
+          <p:cNvPr id="57" name="TextBox 21"/>
+          <p:cNvSpPr txBox="1"/>
+          <p:nvPr/>
+        </p:nvSpPr>
+        <p:spPr>
+          <a:xfrm>
+            <a:off x="2915816" y="4365104"/>
+            <a:ext cx="1526419" cy="276999"/>
+          </a:xfrm>
+          <a:prstGeom prst="rect">
+            <a:avLst/>
+          </a:prstGeom>
+          <a:noFill/>
+        </p:spPr>
+        <p:txBody>
+          <a:bodyPr wrap="square" rtlCol="0">
+            <a:spAutoFit/>
+          </a:bodyPr>
+          <a:lstStyle/>
+          <a:p>
+            <a:r>
+              <a:rPr lang="en-GB" sz="1200" dirty="0" smtClean="0"/>
+              <a:t>Security number</a:t>
+            </a:r>
+            <a:endParaRPr lang="en-GB" sz="1200" dirty="0"/>
+          </a:p>
+        </p:txBody>
+      </p:sp>
+      <p:sp>
+        <p:nvSpPr>
+          <p:cNvPr id="75" name="Rectangle 23"/>
+          <p:cNvSpPr/>
+          <p:nvPr/>
+        </p:nvSpPr>
+        <p:spPr>
+          <a:xfrm>
+            <a:off x="4355976" y="4437112"/>
+            <a:ext cx="648072" cy="216024"/>
+          </a:xfrm>
+          <a:prstGeom prst="rect">
+            <a:avLst/>
+          </a:prstGeom>
+          <a:solidFill>
+            <a:schemeClr val="bg1"/>
+          </a:solidFill>
+        </p:spPr>
+        <p:style>
+          <a:lnRef idx="2">
+            <a:schemeClr val="accent1">
+              <a:shade val="50000"/>
+            </a:schemeClr>
+          </a:lnRef>
+          <a:fillRef idx="1">
+            <a:schemeClr val="accent1"/>
+          </a:fillRef>
+          <a:effectRef idx="0">
+            <a:schemeClr val="accent1"/>
+          </a:effectRef>
+          <a:fontRef idx="minor">
+            <a:schemeClr val="lt1"/>
+          </a:fontRef>
+        </p:style>
+        <p:txBody>
+          <a:bodyPr rtlCol="0" anchor="ctr"/>
+          <a:lstStyle/>
+          <a:p>
+            <a:pPr algn="ctr"/>
+            <a:endParaRPr lang="en-GB"/>
+          </a:p>
+        </p:txBody>
+      </p:sp>
+      <p:sp>
+        <p:nvSpPr>
+          <p:cNvPr id="76" name="TextBox 21"/>
+          <p:cNvSpPr txBox="1"/>
+          <p:nvPr/>
+        </p:nvSpPr>
+        <p:spPr>
+          <a:xfrm>
+            <a:off x="2915816" y="4725144"/>
+            <a:ext cx="1526419" cy="276999"/>
+          </a:xfrm>
+          <a:prstGeom prst="rect">
+            <a:avLst/>
+          </a:prstGeom>
+          <a:noFill/>
+        </p:spPr>
+        <p:txBody>
+          <a:bodyPr wrap="square" rtlCol="0">
+            <a:spAutoFit/>
+          </a:bodyPr>
+          <a:lstStyle/>
+          <a:p>
+            <a:r>
+              <a:rPr lang="en-GB" sz="1200" dirty="0" smtClean="0"/>
+              <a:t>Expiry date</a:t>
+            </a:r>
+            <a:endParaRPr lang="en-GB" sz="1200" dirty="0"/>
+          </a:p>
+        </p:txBody>
+      </p:sp>
+      <p:sp>
+        <p:nvSpPr>
+          <p:cNvPr id="77" name="Rectangle 23"/>
+          <p:cNvSpPr/>
+          <p:nvPr/>
+        </p:nvSpPr>
+        <p:spPr>
+          <a:xfrm>
+            <a:off x="4355976" y="4797152"/>
+            <a:ext cx="648072" cy="216024"/>
+          </a:xfrm>
+          <a:prstGeom prst="rect">
+            <a:avLst/>
+          </a:prstGeom>
+          <a:solidFill>
+            <a:schemeClr val="bg1"/>
+          </a:solidFill>
+        </p:spPr>
+        <p:style>
+          <a:lnRef idx="2">
+            <a:schemeClr val="accent1">
+              <a:shade val="50000"/>
+            </a:schemeClr>
+          </a:lnRef>
+          <a:fillRef idx="1">
+            <a:schemeClr val="accent1"/>
+          </a:fillRef>
+          <a:effectRef idx="0">
+            <a:schemeClr val="accent1"/>
+          </a:effectRef>
+          <a:fontRef idx="minor">
+            <a:schemeClr val="lt1"/>
+          </a:fontRef>
+        </p:style>
+        <p:txBody>
+          <a:bodyPr rtlCol="0" anchor="ctr"/>
+          <a:lstStyle/>
+          <a:p>
+            <a:pPr algn="ctr"/>
+            <a:endParaRPr lang="en-GB"/>
+          </a:p>
+        </p:txBody>
+      </p:sp>
+      <p:sp>
+        <p:nvSpPr>
+          <p:cNvPr id="81" name="TextBox 26"/>
+          <p:cNvSpPr txBox="1"/>
+          <p:nvPr/>
+        </p:nvSpPr>
+        <p:spPr>
+          <a:xfrm>
+            <a:off x="827584" y="4581128"/>
+            <a:ext cx="1944216" cy="261610"/>
+          </a:xfrm>
+          <a:prstGeom prst="rect">
+            <a:avLst/>
+          </a:prstGeom>
+          <a:noFill/>
+        </p:spPr>
+        <p:txBody>
+          <a:bodyPr wrap="square" rtlCol="0">
+            <a:spAutoFit/>
+          </a:bodyPr>
+          <a:lstStyle/>
+          <a:p>
+            <a:r>
+              <a:rPr lang="en-GB" sz="1100" dirty="0" smtClean="0"/>
+              <a:t>Same as shipping address</a:t>
+            </a:r>
+            <a:endParaRPr lang="en-GB" sz="1100" dirty="0"/>
+          </a:p>
+        </p:txBody>
+      </p:sp>
+      <p:pic>
+        <p:nvPicPr>
+          <p:cNvPr id="2054" name="Picture 6"/>
           <p:cNvPicPr>
             <a:picLocks noChangeAspect="1" noChangeArrowheads="1"/>
           </p:cNvPicPr>
@@ -10760,8 +11277,8 @@
         </p:blipFill>
         <p:spPr bwMode="auto">
           <a:xfrm>
-            <a:off x="755576" y="3501008"/>
-            <a:ext cx="190500" cy="190500"/>
+            <a:off x="755576" y="4653136"/>
+            <a:ext cx="142875" cy="142875"/>
           </a:xfrm>
           <a:prstGeom prst="rect">
             <a:avLst/>
@@ -10775,80 +11292,40 @@
           </a:ln>
         </p:spPr>
       </p:pic>
-      <p:pic>
-        <p:nvPicPr>
-          <p:cNvPr id="45" name="Picture 3"/>
-          <p:cNvPicPr>
-            <a:picLocks noChangeAspect="1" noChangeArrowheads="1"/>
-          </p:cNvPicPr>
-          <p:nvPr/>
-        </p:nvPicPr>
-        <p:blipFill>
-          <a:blip r:embed="rId5" cstate="print"/>
-          <a:srcRect/>
-          <a:stretch>
-            <a:fillRect/>
-          </a:stretch>
-        </p:blipFill>
-        <p:spPr bwMode="auto">
-          <a:xfrm>
-            <a:off x="3707904" y="3501008"/>
-            <a:ext cx="190500" cy="190500"/>
-          </a:xfrm>
-          <a:prstGeom prst="rect">
-            <a:avLst/>
-          </a:prstGeom>
-          <a:noFill/>
-          <a:ln w="9525">
-            <a:noFill/>
-            <a:miter lim="800000"/>
-            <a:headEnd/>
-            <a:tailEnd/>
-          </a:ln>
-        </p:spPr>
-      </p:pic>
-      <p:pic>
-        <p:nvPicPr>
-          <p:cNvPr id="46" name="Picture 3"/>
-          <p:cNvPicPr>
-            <a:picLocks noChangeAspect="1" noChangeArrowheads="1"/>
-          </p:cNvPicPr>
-          <p:nvPr/>
-        </p:nvPicPr>
-        <p:blipFill>
-          <a:blip r:embed="rId5" cstate="print"/>
-          <a:srcRect/>
-          <a:stretch>
-            <a:fillRect/>
-          </a:stretch>
-        </p:blipFill>
-        <p:spPr bwMode="auto">
-          <a:xfrm>
-            <a:off x="2267744" y="3501008"/>
-            <a:ext cx="190500" cy="190500"/>
-          </a:xfrm>
-          <a:prstGeom prst="rect">
-            <a:avLst/>
-          </a:prstGeom>
-          <a:noFill/>
-          <a:ln w="9525">
-            <a:noFill/>
-            <a:miter lim="800000"/>
-            <a:headEnd/>
-            <a:tailEnd/>
-          </a:ln>
-        </p:spPr>
-      </p:pic>
-      <p:sp>
-        <p:nvSpPr>
-          <p:cNvPr id="47" name="TextBox 21"/>
+      <p:sp>
+        <p:nvSpPr>
+          <p:cNvPr id="78" name="Espace réservé du numéro de diapositive 77"/>
+          <p:cNvSpPr>
+            <a:spLocks noGrp="1"/>
+          </p:cNvSpPr>
+          <p:nvPr>
+            <p:ph type="sldNum" sz="quarter" idx="12"/>
+          </p:nvPr>
+        </p:nvSpPr>
+        <p:spPr/>
+        <p:txBody>
+          <a:bodyPr/>
+          <a:lstStyle/>
+          <a:p>
+            <a:fld id="{3055DF15-42B6-4BFF-B68D-63E611223A70}" type="slidenum">
+              <a:rPr lang="en-GB" smtClean="0"/>
+              <a:pPr/>
+              <a:t>13</a:t>
+            </a:fld>
+            <a:endParaRPr lang="en-GB"/>
+          </a:p>
+        </p:txBody>
+      </p:sp>
+      <p:sp>
+        <p:nvSpPr>
+          <p:cNvPr id="73" name="TextBox 81"/>
           <p:cNvSpPr txBox="1"/>
           <p:nvPr/>
         </p:nvSpPr>
         <p:spPr>
           <a:xfrm>
-            <a:off x="539552" y="3789040"/>
-            <a:ext cx="1526419" cy="276999"/>
+            <a:off x="6948264" y="2320937"/>
+            <a:ext cx="693077" cy="276999"/>
           </a:xfrm>
           <a:prstGeom prst="rect">
             <a:avLst/>
@@ -10863,466 +11340,15 @@
           <a:p>
             <a:r>
               <a:rPr lang="en-GB" sz="1200" dirty="0" smtClean="0"/>
-              <a:t>Card holder’s name</a:t>
+              <a:t>Trouser</a:t>
             </a:r>
             <a:endParaRPr lang="en-GB" sz="1200" dirty="0"/>
-          </a:p>
-        </p:txBody>
-      </p:sp>
-      <p:sp>
-        <p:nvSpPr>
-          <p:cNvPr id="49" name="Rectangle 23"/>
-          <p:cNvSpPr/>
-          <p:nvPr/>
-        </p:nvSpPr>
-        <p:spPr>
-          <a:xfrm>
-            <a:off x="611560" y="4077072"/>
-            <a:ext cx="2016224" cy="216024"/>
-          </a:xfrm>
-          <a:prstGeom prst="rect">
-            <a:avLst/>
-          </a:prstGeom>
-          <a:solidFill>
-            <a:schemeClr val="bg1"/>
-          </a:solidFill>
-        </p:spPr>
-        <p:style>
-          <a:lnRef idx="2">
-            <a:schemeClr val="accent1">
-              <a:shade val="50000"/>
-            </a:schemeClr>
-          </a:lnRef>
-          <a:fillRef idx="1">
-            <a:schemeClr val="accent1"/>
-          </a:fillRef>
-          <a:effectRef idx="0">
-            <a:schemeClr val="accent1"/>
-          </a:effectRef>
-          <a:fontRef idx="minor">
-            <a:schemeClr val="lt1"/>
-          </a:fontRef>
-        </p:style>
-        <p:txBody>
-          <a:bodyPr rtlCol="0" anchor="ctr"/>
-          <a:lstStyle/>
-          <a:p>
-            <a:pPr algn="ctr"/>
-            <a:endParaRPr lang="en-GB"/>
-          </a:p>
-        </p:txBody>
-      </p:sp>
-      <p:sp>
-        <p:nvSpPr>
-          <p:cNvPr id="50" name="TextBox 26"/>
-          <p:cNvSpPr txBox="1"/>
-          <p:nvPr/>
-        </p:nvSpPr>
-        <p:spPr>
-          <a:xfrm>
-            <a:off x="539552" y="4365104"/>
-            <a:ext cx="1742443" cy="276999"/>
-          </a:xfrm>
-          <a:prstGeom prst="rect">
-            <a:avLst/>
-          </a:prstGeom>
-          <a:noFill/>
-        </p:spPr>
-        <p:txBody>
-          <a:bodyPr wrap="square" rtlCol="0">
-            <a:spAutoFit/>
-          </a:bodyPr>
-          <a:lstStyle/>
-          <a:p>
-            <a:r>
-              <a:rPr lang="en-GB" sz="1200" dirty="0" smtClean="0"/>
-              <a:t>Card holder’s address</a:t>
-            </a:r>
-            <a:endParaRPr lang="en-GB" sz="1200" dirty="0"/>
-          </a:p>
-        </p:txBody>
-      </p:sp>
-      <p:sp>
-        <p:nvSpPr>
-          <p:cNvPr id="51" name="Rectangle 27"/>
-          <p:cNvSpPr/>
-          <p:nvPr/>
-        </p:nvSpPr>
-        <p:spPr>
-          <a:xfrm>
-            <a:off x="611560" y="4875608"/>
-            <a:ext cx="2016224" cy="209576"/>
-          </a:xfrm>
-          <a:prstGeom prst="rect">
-            <a:avLst/>
-          </a:prstGeom>
-          <a:solidFill>
-            <a:schemeClr val="bg1"/>
-          </a:solidFill>
-        </p:spPr>
-        <p:style>
-          <a:lnRef idx="2">
-            <a:schemeClr val="accent1">
-              <a:shade val="50000"/>
-            </a:schemeClr>
-          </a:lnRef>
-          <a:fillRef idx="1">
-            <a:schemeClr val="accent1"/>
-          </a:fillRef>
-          <a:effectRef idx="0">
-            <a:schemeClr val="accent1"/>
-          </a:effectRef>
-          <a:fontRef idx="minor">
-            <a:schemeClr val="lt1"/>
-          </a:fontRef>
-        </p:style>
-        <p:txBody>
-          <a:bodyPr rtlCol="0" anchor="ctr"/>
-          <a:lstStyle/>
-          <a:p>
-            <a:pPr algn="ctr"/>
-            <a:endParaRPr lang="en-GB"/>
-          </a:p>
-        </p:txBody>
-      </p:sp>
-      <p:sp>
-        <p:nvSpPr>
-          <p:cNvPr id="53" name="Rectangle 31"/>
-          <p:cNvSpPr/>
-          <p:nvPr/>
-        </p:nvSpPr>
-        <p:spPr>
-          <a:xfrm>
-            <a:off x="611560" y="5085184"/>
-            <a:ext cx="2016224" cy="216024"/>
-          </a:xfrm>
-          <a:prstGeom prst="rect">
-            <a:avLst/>
-          </a:prstGeom>
-          <a:solidFill>
-            <a:schemeClr val="bg1"/>
-          </a:solidFill>
-        </p:spPr>
-        <p:style>
-          <a:lnRef idx="2">
-            <a:schemeClr val="accent1">
-              <a:shade val="50000"/>
-            </a:schemeClr>
-          </a:lnRef>
-          <a:fillRef idx="1">
-            <a:schemeClr val="accent1"/>
-          </a:fillRef>
-          <a:effectRef idx="0">
-            <a:schemeClr val="accent1"/>
-          </a:effectRef>
-          <a:fontRef idx="minor">
-            <a:schemeClr val="lt1"/>
-          </a:fontRef>
-        </p:style>
-        <p:txBody>
-          <a:bodyPr rtlCol="0" anchor="ctr"/>
-          <a:lstStyle/>
-          <a:p>
-            <a:pPr algn="ctr"/>
-            <a:endParaRPr lang="en-GB"/>
-          </a:p>
-        </p:txBody>
-      </p:sp>
-      <p:sp>
-        <p:nvSpPr>
-          <p:cNvPr id="54" name="Rectangle 31"/>
-          <p:cNvSpPr/>
-          <p:nvPr/>
-        </p:nvSpPr>
-        <p:spPr>
-          <a:xfrm>
-            <a:off x="611560" y="5301208"/>
-            <a:ext cx="2016224" cy="216024"/>
-          </a:xfrm>
-          <a:prstGeom prst="rect">
-            <a:avLst/>
-          </a:prstGeom>
-          <a:solidFill>
-            <a:schemeClr val="bg1"/>
-          </a:solidFill>
-        </p:spPr>
-        <p:style>
-          <a:lnRef idx="2">
-            <a:schemeClr val="accent1">
-              <a:shade val="50000"/>
-            </a:schemeClr>
-          </a:lnRef>
-          <a:fillRef idx="1">
-            <a:schemeClr val="accent1"/>
-          </a:fillRef>
-          <a:effectRef idx="0">
-            <a:schemeClr val="accent1"/>
-          </a:effectRef>
-          <a:fontRef idx="minor">
-            <a:schemeClr val="lt1"/>
-          </a:fontRef>
-        </p:style>
-        <p:txBody>
-          <a:bodyPr rtlCol="0" anchor="ctr"/>
-          <a:lstStyle/>
-          <a:p>
-            <a:pPr algn="ctr"/>
-            <a:endParaRPr lang="en-GB"/>
-          </a:p>
-        </p:txBody>
-      </p:sp>
-      <p:sp>
-        <p:nvSpPr>
-          <p:cNvPr id="55" name="TextBox 21"/>
-          <p:cNvSpPr txBox="1"/>
-          <p:nvPr/>
-        </p:nvSpPr>
-        <p:spPr>
-          <a:xfrm>
-            <a:off x="2901564" y="3811611"/>
-            <a:ext cx="1526419" cy="276999"/>
-          </a:xfrm>
-          <a:prstGeom prst="rect">
-            <a:avLst/>
-          </a:prstGeom>
-          <a:noFill/>
-        </p:spPr>
-        <p:txBody>
-          <a:bodyPr wrap="square" rtlCol="0">
-            <a:spAutoFit/>
-          </a:bodyPr>
-          <a:lstStyle/>
-          <a:p>
-            <a:r>
-              <a:rPr lang="en-GB" sz="1200" dirty="0" smtClean="0"/>
-              <a:t>Card number</a:t>
-            </a:r>
-            <a:endParaRPr lang="en-GB" sz="1200" dirty="0"/>
-          </a:p>
-        </p:txBody>
-      </p:sp>
-      <p:sp>
-        <p:nvSpPr>
-          <p:cNvPr id="56" name="Rectangle 23"/>
-          <p:cNvSpPr/>
-          <p:nvPr/>
-        </p:nvSpPr>
-        <p:spPr>
-          <a:xfrm>
-            <a:off x="2987824" y="4077072"/>
-            <a:ext cx="2016224" cy="216024"/>
-          </a:xfrm>
-          <a:prstGeom prst="rect">
-            <a:avLst/>
-          </a:prstGeom>
-          <a:solidFill>
-            <a:schemeClr val="bg1"/>
-          </a:solidFill>
-        </p:spPr>
-        <p:style>
-          <a:lnRef idx="2">
-            <a:schemeClr val="accent1">
-              <a:shade val="50000"/>
-            </a:schemeClr>
-          </a:lnRef>
-          <a:fillRef idx="1">
-            <a:schemeClr val="accent1"/>
-          </a:fillRef>
-          <a:effectRef idx="0">
-            <a:schemeClr val="accent1"/>
-          </a:effectRef>
-          <a:fontRef idx="minor">
-            <a:schemeClr val="lt1"/>
-          </a:fontRef>
-        </p:style>
-        <p:txBody>
-          <a:bodyPr rtlCol="0" anchor="ctr"/>
-          <a:lstStyle/>
-          <a:p>
-            <a:pPr algn="ctr"/>
-            <a:endParaRPr lang="en-GB"/>
-          </a:p>
-        </p:txBody>
-      </p:sp>
-      <p:sp>
-        <p:nvSpPr>
-          <p:cNvPr id="57" name="TextBox 21"/>
-          <p:cNvSpPr txBox="1"/>
-          <p:nvPr/>
-        </p:nvSpPr>
-        <p:spPr>
-          <a:xfrm>
-            <a:off x="2915816" y="4365104"/>
-            <a:ext cx="1526419" cy="276999"/>
-          </a:xfrm>
-          <a:prstGeom prst="rect">
-            <a:avLst/>
-          </a:prstGeom>
-          <a:noFill/>
-        </p:spPr>
-        <p:txBody>
-          <a:bodyPr wrap="square" rtlCol="0">
-            <a:spAutoFit/>
-          </a:bodyPr>
-          <a:lstStyle/>
-          <a:p>
-            <a:r>
-              <a:rPr lang="en-GB" sz="1200" dirty="0" smtClean="0"/>
-              <a:t>Security number</a:t>
-            </a:r>
-            <a:endParaRPr lang="en-GB" sz="1200" dirty="0"/>
-          </a:p>
-        </p:txBody>
-      </p:sp>
-      <p:sp>
-        <p:nvSpPr>
-          <p:cNvPr id="75" name="Rectangle 23"/>
-          <p:cNvSpPr/>
-          <p:nvPr/>
-        </p:nvSpPr>
-        <p:spPr>
-          <a:xfrm>
-            <a:off x="4355976" y="4437112"/>
-            <a:ext cx="648072" cy="216024"/>
-          </a:xfrm>
-          <a:prstGeom prst="rect">
-            <a:avLst/>
-          </a:prstGeom>
-          <a:solidFill>
-            <a:schemeClr val="bg1"/>
-          </a:solidFill>
-        </p:spPr>
-        <p:style>
-          <a:lnRef idx="2">
-            <a:schemeClr val="accent1">
-              <a:shade val="50000"/>
-            </a:schemeClr>
-          </a:lnRef>
-          <a:fillRef idx="1">
-            <a:schemeClr val="accent1"/>
-          </a:fillRef>
-          <a:effectRef idx="0">
-            <a:schemeClr val="accent1"/>
-          </a:effectRef>
-          <a:fontRef idx="minor">
-            <a:schemeClr val="lt1"/>
-          </a:fontRef>
-        </p:style>
-        <p:txBody>
-          <a:bodyPr rtlCol="0" anchor="ctr"/>
-          <a:lstStyle/>
-          <a:p>
-            <a:pPr algn="ctr"/>
-            <a:endParaRPr lang="en-GB"/>
-          </a:p>
-        </p:txBody>
-      </p:sp>
-      <p:sp>
-        <p:nvSpPr>
-          <p:cNvPr id="76" name="TextBox 21"/>
-          <p:cNvSpPr txBox="1"/>
-          <p:nvPr/>
-        </p:nvSpPr>
-        <p:spPr>
-          <a:xfrm>
-            <a:off x="2915816" y="4725144"/>
-            <a:ext cx="1526419" cy="276999"/>
-          </a:xfrm>
-          <a:prstGeom prst="rect">
-            <a:avLst/>
-          </a:prstGeom>
-          <a:noFill/>
-        </p:spPr>
-        <p:txBody>
-          <a:bodyPr wrap="square" rtlCol="0">
-            <a:spAutoFit/>
-          </a:bodyPr>
-          <a:lstStyle/>
-          <a:p>
-            <a:r>
-              <a:rPr lang="en-GB" sz="1200" dirty="0" smtClean="0"/>
-              <a:t>Expiry date</a:t>
-            </a:r>
-            <a:endParaRPr lang="en-GB" sz="1200" dirty="0"/>
-          </a:p>
-        </p:txBody>
-      </p:sp>
-      <p:sp>
-        <p:nvSpPr>
-          <p:cNvPr id="77" name="Rectangle 23"/>
-          <p:cNvSpPr/>
-          <p:nvPr/>
-        </p:nvSpPr>
-        <p:spPr>
-          <a:xfrm>
-            <a:off x="4355976" y="4797152"/>
-            <a:ext cx="648072" cy="216024"/>
-          </a:xfrm>
-          <a:prstGeom prst="rect">
-            <a:avLst/>
-          </a:prstGeom>
-          <a:solidFill>
-            <a:schemeClr val="bg1"/>
-          </a:solidFill>
-        </p:spPr>
-        <p:style>
-          <a:lnRef idx="2">
-            <a:schemeClr val="accent1">
-              <a:shade val="50000"/>
-            </a:schemeClr>
-          </a:lnRef>
-          <a:fillRef idx="1">
-            <a:schemeClr val="accent1"/>
-          </a:fillRef>
-          <a:effectRef idx="0">
-            <a:schemeClr val="accent1"/>
-          </a:effectRef>
-          <a:fontRef idx="minor">
-            <a:schemeClr val="lt1"/>
-          </a:fontRef>
-        </p:style>
-        <p:txBody>
-          <a:bodyPr rtlCol="0" anchor="ctr"/>
-          <a:lstStyle/>
-          <a:p>
-            <a:pPr algn="ctr"/>
-            <a:endParaRPr lang="en-GB"/>
-          </a:p>
-        </p:txBody>
-      </p:sp>
-      <p:sp>
-        <p:nvSpPr>
-          <p:cNvPr id="81" name="TextBox 26"/>
-          <p:cNvSpPr txBox="1"/>
-          <p:nvPr/>
-        </p:nvSpPr>
-        <p:spPr>
-          <a:xfrm>
-            <a:off x="827584" y="4581128"/>
-            <a:ext cx="1944216" cy="261610"/>
-          </a:xfrm>
-          <a:prstGeom prst="rect">
-            <a:avLst/>
-          </a:prstGeom>
-          <a:noFill/>
-        </p:spPr>
-        <p:txBody>
-          <a:bodyPr wrap="square" rtlCol="0">
-            <a:spAutoFit/>
-          </a:bodyPr>
-          <a:lstStyle/>
-          <a:p>
-            <a:r>
-              <a:rPr lang="en-GB" sz="1100" dirty="0" smtClean="0"/>
-              <a:t>Same as shipping address</a:t>
-            </a:r>
-            <a:endParaRPr lang="en-GB" sz="1100" dirty="0"/>
           </a:p>
         </p:txBody>
       </p:sp>
       <p:pic>
         <p:nvPicPr>
-          <p:cNvPr id="2054" name="Picture 6"/>
+          <p:cNvPr id="80" name="Picture 4" descr="D:\Downloads\CA324063.jpg"/>
           <p:cNvPicPr>
             <a:picLocks noChangeAspect="1" noChangeArrowheads="1"/>
           </p:cNvPicPr>
@@ -11337,45 +11363,15 @@
         </p:blipFill>
         <p:spPr bwMode="auto">
           <a:xfrm>
-            <a:off x="755576" y="4653136"/>
-            <a:ext cx="142875" cy="142875"/>
+            <a:off x="6516216" y="2276872"/>
+            <a:ext cx="391385" cy="504056"/>
           </a:xfrm>
           <a:prstGeom prst="rect">
             <a:avLst/>
           </a:prstGeom>
           <a:noFill/>
-          <a:ln w="9525">
-            <a:noFill/>
-            <a:miter lim="800000"/>
-            <a:headEnd/>
-            <a:tailEnd/>
-          </a:ln>
         </p:spPr>
       </p:pic>
-      <p:sp>
-        <p:nvSpPr>
-          <p:cNvPr id="78" name="Espace réservé du numéro de diapositive 77"/>
-          <p:cNvSpPr>
-            <a:spLocks noGrp="1"/>
-          </p:cNvSpPr>
-          <p:nvPr>
-            <p:ph type="sldNum" sz="quarter" idx="12"/>
-          </p:nvPr>
-        </p:nvSpPr>
-        <p:spPr/>
-        <p:txBody>
-          <a:bodyPr/>
-          <a:lstStyle/>
-          <a:p>
-            <a:fld id="{3055DF15-42B6-4BFF-B68D-63E611223A70}" type="slidenum">
-              <a:rPr lang="en-GB" smtClean="0"/>
-              <a:pPr/>
-              <a:t>13</a:t>
-            </a:fld>
-            <a:endParaRPr lang="en-GB"/>
-          </a:p>
-        </p:txBody>
-      </p:sp>
     </p:spTree>
   </p:cSld>
   <p:clrMapOvr>
@@ -12485,9 +12481,781 @@
           </a:fontRef>
         </p:style>
       </p:cxnSp>
+      <p:sp>
+        <p:nvSpPr>
+          <p:cNvPr id="68" name="TextBox 80"/>
+          <p:cNvSpPr txBox="1"/>
+          <p:nvPr/>
+        </p:nvSpPr>
+        <p:spPr>
+          <a:xfrm>
+            <a:off x="5916149" y="2390795"/>
+            <a:ext cx="345038" cy="268730"/>
+          </a:xfrm>
+          <a:prstGeom prst="rect">
+            <a:avLst/>
+          </a:prstGeom>
+          <a:noFill/>
+        </p:spPr>
+        <p:txBody>
+          <a:bodyPr wrap="square" rtlCol="0">
+            <a:spAutoFit/>
+          </a:bodyPr>
+          <a:lstStyle/>
+          <a:p>
+            <a:r>
+              <a:rPr lang="en-GB" sz="1200" dirty="0" smtClean="0"/>
+              <a:t>1</a:t>
+            </a:r>
+            <a:endParaRPr lang="en-GB" sz="1200" dirty="0"/>
+          </a:p>
+        </p:txBody>
+      </p:sp>
+      <p:sp>
+        <p:nvSpPr>
+          <p:cNvPr id="70" name="TextBox 82"/>
+          <p:cNvSpPr txBox="1"/>
+          <p:nvPr/>
+        </p:nvSpPr>
+        <p:spPr>
+          <a:xfrm>
+            <a:off x="7813860" y="2390795"/>
+            <a:ext cx="603817" cy="268730"/>
+          </a:xfrm>
+          <a:prstGeom prst="rect">
+            <a:avLst/>
+          </a:prstGeom>
+          <a:noFill/>
+        </p:spPr>
+        <p:txBody>
+          <a:bodyPr wrap="square" rtlCol="0">
+            <a:spAutoFit/>
+          </a:bodyPr>
+          <a:lstStyle/>
+          <a:p>
+            <a:r>
+              <a:rPr lang="en-GB" sz="1200" dirty="0" smtClean="0"/>
+              <a:t>10£</a:t>
+            </a:r>
+            <a:endParaRPr lang="en-GB" sz="1200" dirty="0"/>
+          </a:p>
+        </p:txBody>
+      </p:sp>
+      <p:sp>
+        <p:nvSpPr>
+          <p:cNvPr id="71" name="Rectangle 88"/>
+          <p:cNvSpPr/>
+          <p:nvPr/>
+        </p:nvSpPr>
+        <p:spPr>
+          <a:xfrm>
+            <a:off x="6174928" y="3159239"/>
+            <a:ext cx="2329009" cy="209576"/>
+          </a:xfrm>
+          <a:prstGeom prst="rect">
+            <a:avLst/>
+          </a:prstGeom>
+        </p:spPr>
+        <p:style>
+          <a:lnRef idx="2">
+            <a:schemeClr val="accent1">
+              <a:shade val="50000"/>
+            </a:schemeClr>
+          </a:lnRef>
+          <a:fillRef idx="1">
+            <a:schemeClr val="accent1"/>
+          </a:fillRef>
+          <a:effectRef idx="0">
+            <a:schemeClr val="accent1"/>
+          </a:effectRef>
+          <a:fontRef idx="minor">
+            <a:schemeClr val="lt1"/>
+          </a:fontRef>
+        </p:style>
+        <p:txBody>
+          <a:bodyPr rtlCol="0" anchor="ctr"/>
+          <a:lstStyle/>
+          <a:p>
+            <a:r>
+              <a:rPr lang="en-GB" sz="1400" dirty="0" smtClean="0"/>
+              <a:t>Subtotal:	             10£</a:t>
+            </a:r>
+            <a:endParaRPr lang="en-GB" sz="1400" dirty="0"/>
+          </a:p>
+        </p:txBody>
+      </p:sp>
+      <p:sp>
+        <p:nvSpPr>
+          <p:cNvPr id="72" name="Rectangle 17"/>
+          <p:cNvSpPr/>
+          <p:nvPr/>
+        </p:nvSpPr>
+        <p:spPr>
+          <a:xfrm>
+            <a:off x="395536" y="3212976"/>
+            <a:ext cx="4830537" cy="2934057"/>
+          </a:xfrm>
+          <a:prstGeom prst="rect">
+            <a:avLst/>
+          </a:prstGeom>
+          <a:solidFill>
+            <a:schemeClr val="bg1"/>
+          </a:solidFill>
+        </p:spPr>
+        <p:style>
+          <a:lnRef idx="2">
+            <a:schemeClr val="accent1">
+              <a:shade val="50000"/>
+            </a:schemeClr>
+          </a:lnRef>
+          <a:fillRef idx="1">
+            <a:schemeClr val="accent1"/>
+          </a:fillRef>
+          <a:effectRef idx="0">
+            <a:schemeClr val="accent1"/>
+          </a:effectRef>
+          <a:fontRef idx="minor">
+            <a:schemeClr val="lt1"/>
+          </a:fontRef>
+        </p:style>
+        <p:txBody>
+          <a:bodyPr rtlCol="0" anchor="ctr"/>
+          <a:lstStyle/>
+          <a:p>
+            <a:pPr algn="ctr"/>
+            <a:endParaRPr lang="en-GB"/>
+          </a:p>
+        </p:txBody>
+      </p:sp>
+      <p:sp>
+        <p:nvSpPr>
+          <p:cNvPr id="73" name="TextBox 20"/>
+          <p:cNvSpPr txBox="1"/>
+          <p:nvPr/>
+        </p:nvSpPr>
+        <p:spPr>
+          <a:xfrm>
+            <a:off x="467544" y="3284984"/>
+            <a:ext cx="2932826" cy="307777"/>
+          </a:xfrm>
+          <a:prstGeom prst="rect">
+            <a:avLst/>
+          </a:prstGeom>
+          <a:noFill/>
+        </p:spPr>
+        <p:txBody>
+          <a:bodyPr wrap="square" rtlCol="0">
+            <a:spAutoFit/>
+          </a:bodyPr>
+          <a:lstStyle/>
+          <a:p>
+            <a:r>
+              <a:rPr lang="en-GB" sz="1400" b="1" dirty="0" smtClean="0"/>
+              <a:t>Shipping Address</a:t>
+            </a:r>
+            <a:endParaRPr lang="en-GB" sz="1400" b="1" dirty="0"/>
+          </a:p>
+        </p:txBody>
+      </p:sp>
+      <p:sp>
+        <p:nvSpPr>
+          <p:cNvPr id="75" name="TextBox 21"/>
+          <p:cNvSpPr txBox="1"/>
+          <p:nvPr/>
+        </p:nvSpPr>
+        <p:spPr>
+          <a:xfrm>
+            <a:off x="467544" y="3645024"/>
+            <a:ext cx="2340000" cy="279433"/>
+          </a:xfrm>
+          <a:prstGeom prst="rect">
+            <a:avLst/>
+          </a:prstGeom>
+          <a:noFill/>
+        </p:spPr>
+        <p:txBody>
+          <a:bodyPr wrap="square" rtlCol="0">
+            <a:spAutoFit/>
+          </a:bodyPr>
+          <a:lstStyle/>
+          <a:p>
+            <a:r>
+              <a:rPr lang="en-GB" sz="1200" dirty="0" smtClean="0"/>
+              <a:t>First Name	</a:t>
+            </a:r>
+            <a:r>
+              <a:rPr lang="en-GB" sz="1200" dirty="0" err="1" smtClean="0"/>
+              <a:t>xxxxxxx</a:t>
+            </a:r>
+            <a:endParaRPr lang="en-GB" sz="1200" dirty="0"/>
+          </a:p>
+        </p:txBody>
+      </p:sp>
+      <p:sp>
+        <p:nvSpPr>
+          <p:cNvPr id="79" name="TextBox 25"/>
+          <p:cNvSpPr txBox="1"/>
+          <p:nvPr/>
+        </p:nvSpPr>
+        <p:spPr>
+          <a:xfrm>
+            <a:off x="467544" y="3933056"/>
+            <a:ext cx="2340000" cy="276999"/>
+          </a:xfrm>
+          <a:prstGeom prst="rect">
+            <a:avLst/>
+          </a:prstGeom>
+          <a:noFill/>
+        </p:spPr>
+        <p:txBody>
+          <a:bodyPr wrap="square" rtlCol="0">
+            <a:spAutoFit/>
+          </a:bodyPr>
+          <a:lstStyle/>
+          <a:p>
+            <a:r>
+              <a:rPr lang="en-GB" sz="1200" dirty="0" smtClean="0"/>
+              <a:t>Last Name	</a:t>
+            </a:r>
+            <a:r>
+              <a:rPr lang="en-GB" sz="1200" dirty="0" err="1" smtClean="0"/>
+              <a:t>xxxxxxxx</a:t>
+            </a:r>
+            <a:endParaRPr lang="en-GB" sz="1200" dirty="0"/>
+          </a:p>
+        </p:txBody>
+      </p:sp>
+      <p:sp>
+        <p:nvSpPr>
+          <p:cNvPr id="80" name="TextBox 26"/>
+          <p:cNvSpPr txBox="1"/>
+          <p:nvPr/>
+        </p:nvSpPr>
+        <p:spPr>
+          <a:xfrm>
+            <a:off x="467544" y="4221088"/>
+            <a:ext cx="2340000" cy="279433"/>
+          </a:xfrm>
+          <a:prstGeom prst="rect">
+            <a:avLst/>
+          </a:prstGeom>
+          <a:noFill/>
+        </p:spPr>
+        <p:txBody>
+          <a:bodyPr wrap="square" rtlCol="0">
+            <a:spAutoFit/>
+          </a:bodyPr>
+          <a:lstStyle/>
+          <a:p>
+            <a:r>
+              <a:rPr lang="en-GB" sz="1200" dirty="0" smtClean="0"/>
+              <a:t>Street	</a:t>
+            </a:r>
+            <a:r>
+              <a:rPr lang="en-GB" sz="1200" dirty="0" err="1" smtClean="0"/>
+              <a:t>xxxxxxxxxxxxxxx</a:t>
+            </a:r>
+            <a:endParaRPr lang="en-GB" sz="1200" dirty="0"/>
+          </a:p>
+        </p:txBody>
+      </p:sp>
+      <p:sp>
+        <p:nvSpPr>
+          <p:cNvPr id="83" name="TextBox 29"/>
+          <p:cNvSpPr txBox="1"/>
+          <p:nvPr/>
+        </p:nvSpPr>
+        <p:spPr>
+          <a:xfrm>
+            <a:off x="467544" y="4509120"/>
+            <a:ext cx="2340000" cy="276999"/>
+          </a:xfrm>
+          <a:prstGeom prst="rect">
+            <a:avLst/>
+          </a:prstGeom>
+          <a:noFill/>
+        </p:spPr>
+        <p:txBody>
+          <a:bodyPr wrap="square" rtlCol="0">
+            <a:spAutoFit/>
+          </a:bodyPr>
+          <a:lstStyle/>
+          <a:p>
+            <a:r>
+              <a:rPr lang="en-GB" sz="1200" dirty="0" smtClean="0"/>
+              <a:t>Nr	</a:t>
+            </a:r>
+            <a:r>
+              <a:rPr lang="en-GB" sz="1200" dirty="0" err="1" smtClean="0"/>
+              <a:t>xxxx</a:t>
+            </a:r>
+            <a:endParaRPr lang="en-GB" sz="1200" dirty="0"/>
+          </a:p>
+        </p:txBody>
+      </p:sp>
+      <p:sp>
+        <p:nvSpPr>
+          <p:cNvPr id="84" name="TextBox 30"/>
+          <p:cNvSpPr txBox="1"/>
+          <p:nvPr/>
+        </p:nvSpPr>
+        <p:spPr>
+          <a:xfrm>
+            <a:off x="467544" y="4797152"/>
+            <a:ext cx="2340000" cy="279433"/>
+          </a:xfrm>
+          <a:prstGeom prst="rect">
+            <a:avLst/>
+          </a:prstGeom>
+          <a:noFill/>
+        </p:spPr>
+        <p:txBody>
+          <a:bodyPr wrap="square" rtlCol="0">
+            <a:spAutoFit/>
+          </a:bodyPr>
+          <a:lstStyle/>
+          <a:p>
+            <a:r>
+              <a:rPr lang="en-GB" sz="1200" dirty="0" smtClean="0"/>
+              <a:t>City	</a:t>
+            </a:r>
+            <a:r>
+              <a:rPr lang="en-GB" sz="1200" dirty="0" err="1" smtClean="0"/>
+              <a:t>xxxxxxxxxxxx</a:t>
+            </a:r>
+            <a:endParaRPr lang="en-GB" sz="1200" dirty="0"/>
+          </a:p>
+        </p:txBody>
+      </p:sp>
+      <p:sp>
+        <p:nvSpPr>
+          <p:cNvPr id="87" name="TextBox 33"/>
+          <p:cNvSpPr txBox="1"/>
+          <p:nvPr/>
+        </p:nvSpPr>
+        <p:spPr>
+          <a:xfrm>
+            <a:off x="467544" y="5085184"/>
+            <a:ext cx="2340000" cy="276999"/>
+          </a:xfrm>
+          <a:prstGeom prst="rect">
+            <a:avLst/>
+          </a:prstGeom>
+          <a:noFill/>
+        </p:spPr>
+        <p:txBody>
+          <a:bodyPr wrap="square" rtlCol="0">
+            <a:spAutoFit/>
+          </a:bodyPr>
+          <a:lstStyle/>
+          <a:p>
+            <a:r>
+              <a:rPr lang="en-GB" sz="1200" dirty="0" smtClean="0"/>
+              <a:t>Zip	</a:t>
+            </a:r>
+            <a:r>
+              <a:rPr lang="en-GB" sz="1200" dirty="0" err="1" smtClean="0"/>
+              <a:t>xxxxxxx</a:t>
+            </a:r>
+            <a:endParaRPr lang="en-GB" sz="1200" dirty="0"/>
+          </a:p>
+        </p:txBody>
+      </p:sp>
+      <p:sp>
+        <p:nvSpPr>
+          <p:cNvPr id="88" name="TextBox 34"/>
+          <p:cNvSpPr txBox="1"/>
+          <p:nvPr/>
+        </p:nvSpPr>
+        <p:spPr>
+          <a:xfrm>
+            <a:off x="467544" y="5373216"/>
+            <a:ext cx="2340000" cy="279433"/>
+          </a:xfrm>
+          <a:prstGeom prst="rect">
+            <a:avLst/>
+          </a:prstGeom>
+          <a:noFill/>
+        </p:spPr>
+        <p:txBody>
+          <a:bodyPr wrap="square" rtlCol="0">
+            <a:spAutoFit/>
+          </a:bodyPr>
+          <a:lstStyle/>
+          <a:p>
+            <a:r>
+              <a:rPr lang="en-GB" sz="1200" dirty="0" smtClean="0"/>
+              <a:t>Country	</a:t>
+            </a:r>
+            <a:r>
+              <a:rPr lang="en-GB" sz="1200" dirty="0" err="1" smtClean="0"/>
+              <a:t>xxxxxxxxxx</a:t>
+            </a:r>
+            <a:endParaRPr lang="en-GB" sz="1200" dirty="0"/>
+          </a:p>
+        </p:txBody>
+      </p:sp>
+      <p:sp>
+        <p:nvSpPr>
+          <p:cNvPr id="90" name="Rounded Rectangle 42"/>
+          <p:cNvSpPr/>
+          <p:nvPr/>
+        </p:nvSpPr>
+        <p:spPr>
+          <a:xfrm>
+            <a:off x="3932179" y="5689191"/>
+            <a:ext cx="1121375" cy="318125"/>
+          </a:xfrm>
+          <a:prstGeom prst="roundRect">
+            <a:avLst/>
+          </a:prstGeom>
+        </p:spPr>
+        <p:style>
+          <a:lnRef idx="2">
+            <a:schemeClr val="accent1">
+              <a:shade val="50000"/>
+            </a:schemeClr>
+          </a:lnRef>
+          <a:fillRef idx="1">
+            <a:schemeClr val="accent1"/>
+          </a:fillRef>
+          <a:effectRef idx="0">
+            <a:schemeClr val="accent1"/>
+          </a:effectRef>
+          <a:fontRef idx="minor">
+            <a:schemeClr val="lt1"/>
+          </a:fontRef>
+        </p:style>
+        <p:txBody>
+          <a:bodyPr rtlCol="0" anchor="ctr"/>
+          <a:lstStyle/>
+          <a:p>
+            <a:pPr algn="ctr"/>
+            <a:r>
+              <a:rPr lang="en-GB" sz="1200" dirty="0" smtClean="0"/>
+              <a:t>Place order</a:t>
+            </a:r>
+            <a:endParaRPr lang="en-GB" sz="1200" dirty="0"/>
+          </a:p>
+        </p:txBody>
+      </p:sp>
+      <p:sp>
+        <p:nvSpPr>
+          <p:cNvPr id="44" name="TextBox 21"/>
+          <p:cNvSpPr txBox="1"/>
+          <p:nvPr/>
+        </p:nvSpPr>
+        <p:spPr>
+          <a:xfrm>
+            <a:off x="2771800" y="3645024"/>
+            <a:ext cx="2340000" cy="276999"/>
+          </a:xfrm>
+          <a:prstGeom prst="rect">
+            <a:avLst/>
+          </a:prstGeom>
+          <a:noFill/>
+        </p:spPr>
+        <p:txBody>
+          <a:bodyPr wrap="square" rtlCol="0">
+            <a:spAutoFit/>
+          </a:bodyPr>
+          <a:lstStyle/>
+          <a:p>
+            <a:pPr>
+              <a:tabLst>
+                <a:tab pos="1079500" algn="l"/>
+              </a:tabLst>
+            </a:pPr>
+            <a:r>
+              <a:rPr lang="en-GB" sz="1200" dirty="0" smtClean="0"/>
+              <a:t>Card holder	 </a:t>
+            </a:r>
+            <a:r>
+              <a:rPr lang="en-GB" sz="1200" dirty="0" err="1" smtClean="0"/>
+              <a:t>xxxxxxx</a:t>
+            </a:r>
+            <a:r>
+              <a:rPr lang="en-GB" sz="1200" dirty="0" smtClean="0"/>
+              <a:t> </a:t>
+            </a:r>
+            <a:r>
+              <a:rPr lang="en-GB" sz="1200" dirty="0" err="1" smtClean="0"/>
+              <a:t>xxxxxxxx</a:t>
+            </a:r>
+            <a:endParaRPr lang="en-GB" sz="1200" dirty="0"/>
+          </a:p>
+        </p:txBody>
+      </p:sp>
+      <p:sp>
+        <p:nvSpPr>
+          <p:cNvPr id="45" name="TextBox 25"/>
+          <p:cNvSpPr txBox="1"/>
+          <p:nvPr/>
+        </p:nvSpPr>
+        <p:spPr>
+          <a:xfrm>
+            <a:off x="2771800" y="3933056"/>
+            <a:ext cx="2592288" cy="276999"/>
+          </a:xfrm>
+          <a:prstGeom prst="rect">
+            <a:avLst/>
+          </a:prstGeom>
+          <a:noFill/>
+        </p:spPr>
+        <p:txBody>
+          <a:bodyPr wrap="square" rtlCol="0">
+            <a:spAutoFit/>
+          </a:bodyPr>
+          <a:lstStyle/>
+          <a:p>
+            <a:pPr>
+              <a:tabLst>
+                <a:tab pos="1079500" algn="l"/>
+              </a:tabLst>
+            </a:pPr>
+            <a:r>
+              <a:rPr lang="en-GB" sz="1200" dirty="0" smtClean="0"/>
+              <a:t>Card number	</a:t>
+            </a:r>
+            <a:r>
+              <a:rPr lang="en-GB" sz="1200" dirty="0" err="1" smtClean="0"/>
+              <a:t>yyyy</a:t>
+            </a:r>
+            <a:r>
+              <a:rPr lang="en-GB" sz="1200" dirty="0" smtClean="0"/>
+              <a:t> </a:t>
+            </a:r>
+            <a:r>
+              <a:rPr lang="en-GB" sz="1200" dirty="0" err="1" smtClean="0"/>
+              <a:t>xxxx</a:t>
+            </a:r>
+            <a:r>
+              <a:rPr lang="en-GB" sz="1200" dirty="0" smtClean="0"/>
+              <a:t> </a:t>
+            </a:r>
+            <a:r>
+              <a:rPr lang="en-GB" sz="1200" dirty="0" err="1" smtClean="0"/>
+              <a:t>xxxx</a:t>
+            </a:r>
+            <a:r>
+              <a:rPr lang="en-GB" sz="1200" dirty="0" smtClean="0"/>
+              <a:t> </a:t>
+            </a:r>
+            <a:r>
+              <a:rPr lang="en-GB" sz="1200" dirty="0" err="1" smtClean="0"/>
+              <a:t>yyyy</a:t>
+            </a:r>
+            <a:endParaRPr lang="en-GB" sz="1200" dirty="0"/>
+          </a:p>
+        </p:txBody>
+      </p:sp>
+      <p:sp>
+        <p:nvSpPr>
+          <p:cNvPr id="46" name="TextBox 26"/>
+          <p:cNvSpPr txBox="1"/>
+          <p:nvPr/>
+        </p:nvSpPr>
+        <p:spPr>
+          <a:xfrm>
+            <a:off x="2771800" y="4221088"/>
+            <a:ext cx="2340000" cy="279433"/>
+          </a:xfrm>
+          <a:prstGeom prst="rect">
+            <a:avLst/>
+          </a:prstGeom>
+          <a:noFill/>
+        </p:spPr>
+        <p:txBody>
+          <a:bodyPr wrap="square" rtlCol="0">
+            <a:spAutoFit/>
+          </a:bodyPr>
+          <a:lstStyle/>
+          <a:p>
+            <a:r>
+              <a:rPr lang="en-GB" sz="1200" dirty="0" smtClean="0"/>
+              <a:t>Card holder’s address</a:t>
+            </a:r>
+            <a:endParaRPr lang="en-GB" sz="1200" dirty="0"/>
+          </a:p>
+        </p:txBody>
+      </p:sp>
+      <p:sp>
+        <p:nvSpPr>
+          <p:cNvPr id="47" name="TextBox 29"/>
+          <p:cNvSpPr txBox="1"/>
+          <p:nvPr/>
+        </p:nvSpPr>
+        <p:spPr>
+          <a:xfrm>
+            <a:off x="2771800" y="4437112"/>
+            <a:ext cx="2340000" cy="646331"/>
+          </a:xfrm>
+          <a:prstGeom prst="rect">
+            <a:avLst/>
+          </a:prstGeom>
+          <a:noFill/>
+        </p:spPr>
+        <p:txBody>
+          <a:bodyPr wrap="square" rtlCol="0">
+            <a:spAutoFit/>
+          </a:bodyPr>
+          <a:lstStyle/>
+          <a:p>
+            <a:pPr>
+              <a:tabLst>
+                <a:tab pos="182563" algn="l"/>
+                <a:tab pos="1435100" algn="l"/>
+              </a:tabLst>
+            </a:pPr>
+            <a:r>
+              <a:rPr lang="en-GB" sz="1200" dirty="0" smtClean="0"/>
+              <a:t>	</a:t>
+            </a:r>
+            <a:r>
+              <a:rPr lang="en-GB" sz="1200" dirty="0" err="1" smtClean="0"/>
+              <a:t>xxxxxxxxxxxxxxx</a:t>
+            </a:r>
+            <a:r>
+              <a:rPr lang="en-GB" sz="1200" dirty="0" smtClean="0"/>
+              <a:t>	 </a:t>
+            </a:r>
+            <a:r>
+              <a:rPr lang="en-GB" sz="1200" dirty="0" err="1" smtClean="0"/>
+              <a:t>xxxx</a:t>
+            </a:r>
+            <a:endParaRPr lang="en-GB" sz="1200" dirty="0" smtClean="0"/>
+          </a:p>
+          <a:p>
+            <a:pPr>
+              <a:tabLst>
+                <a:tab pos="182563" algn="l"/>
+                <a:tab pos="1435100" algn="l"/>
+              </a:tabLst>
+            </a:pPr>
+            <a:r>
+              <a:rPr lang="en-GB" sz="1200" dirty="0" smtClean="0"/>
+              <a:t>	</a:t>
+            </a:r>
+            <a:r>
+              <a:rPr lang="en-GB" sz="1200" dirty="0" err="1" smtClean="0"/>
+              <a:t>xxxxxxxxxxxx</a:t>
+            </a:r>
+            <a:r>
+              <a:rPr lang="en-GB" sz="1200" dirty="0" smtClean="0"/>
+              <a:t>	 </a:t>
+            </a:r>
+            <a:r>
+              <a:rPr lang="en-GB" sz="1200" dirty="0" err="1" smtClean="0"/>
+              <a:t>xxxxxxx</a:t>
+            </a:r>
+            <a:endParaRPr lang="en-GB" sz="1200" dirty="0" smtClean="0"/>
+          </a:p>
+          <a:p>
+            <a:pPr>
+              <a:tabLst>
+                <a:tab pos="182563" algn="l"/>
+                <a:tab pos="1435100" algn="l"/>
+              </a:tabLst>
+            </a:pPr>
+            <a:r>
+              <a:rPr lang="en-GB" sz="1200" dirty="0" smtClean="0"/>
+              <a:t>	</a:t>
+            </a:r>
+            <a:r>
+              <a:rPr lang="en-GB" sz="1200" dirty="0" err="1" smtClean="0"/>
+              <a:t>xxxxxxxxxx</a:t>
+            </a:r>
+            <a:endParaRPr lang="en-GB" sz="1200" dirty="0"/>
+          </a:p>
+        </p:txBody>
+      </p:sp>
+      <p:sp>
+        <p:nvSpPr>
+          <p:cNvPr id="52" name="TextBox 20"/>
+          <p:cNvSpPr txBox="1"/>
+          <p:nvPr/>
+        </p:nvSpPr>
+        <p:spPr>
+          <a:xfrm>
+            <a:off x="2555776" y="3284984"/>
+            <a:ext cx="2160240" cy="307777"/>
+          </a:xfrm>
+          <a:prstGeom prst="rect">
+            <a:avLst/>
+          </a:prstGeom>
+          <a:noFill/>
+        </p:spPr>
+        <p:txBody>
+          <a:bodyPr wrap="square" rtlCol="0">
+            <a:spAutoFit/>
+          </a:bodyPr>
+          <a:lstStyle/>
+          <a:p>
+            <a:r>
+              <a:rPr lang="en-GB" sz="1400" b="1" dirty="0" smtClean="0"/>
+              <a:t>Payment details</a:t>
+            </a:r>
+            <a:endParaRPr lang="en-GB" sz="1400" b="1" dirty="0"/>
+          </a:p>
+        </p:txBody>
+      </p:sp>
+      <p:sp>
+        <p:nvSpPr>
+          <p:cNvPr id="50" name="Espace réservé du numéro de diapositive 49"/>
+          <p:cNvSpPr>
+            <a:spLocks noGrp="1"/>
+          </p:cNvSpPr>
+          <p:nvPr>
+            <p:ph type="sldNum" sz="quarter" idx="12"/>
+          </p:nvPr>
+        </p:nvSpPr>
+        <p:spPr/>
+        <p:txBody>
+          <a:bodyPr/>
+          <a:lstStyle/>
+          <a:p>
+            <a:fld id="{3055DF15-42B6-4BFF-B68D-63E611223A70}" type="slidenum">
+              <a:rPr lang="en-GB" smtClean="0"/>
+              <a:pPr/>
+              <a:t>14</a:t>
+            </a:fld>
+            <a:endParaRPr lang="en-GB"/>
+          </a:p>
+        </p:txBody>
+      </p:sp>
+      <p:sp>
+        <p:nvSpPr>
+          <p:cNvPr id="51" name="TextBox 81"/>
+          <p:cNvSpPr txBox="1"/>
+          <p:nvPr/>
+        </p:nvSpPr>
+        <p:spPr>
+          <a:xfrm>
+            <a:off x="6948264" y="2320937"/>
+            <a:ext cx="693077" cy="276999"/>
+          </a:xfrm>
+          <a:prstGeom prst="rect">
+            <a:avLst/>
+          </a:prstGeom>
+          <a:noFill/>
+        </p:spPr>
+        <p:txBody>
+          <a:bodyPr wrap="square" rtlCol="0">
+            <a:spAutoFit/>
+          </a:bodyPr>
+          <a:lstStyle/>
+          <a:p>
+            <a:r>
+              <a:rPr lang="en-GB" sz="1200" dirty="0" smtClean="0"/>
+              <a:t>Trouser</a:t>
+            </a:r>
+            <a:endParaRPr lang="en-GB" sz="1200" dirty="0"/>
+          </a:p>
+        </p:txBody>
+      </p:sp>
       <p:pic>
         <p:nvPicPr>
-          <p:cNvPr id="67" name="Picture 2" descr="C:\Users\u01sit11\Desktop\Capture.PNG"/>
+          <p:cNvPr id="54" name="Picture 4" descr="D:\Downloads\CA324063.jpg"/>
           <p:cNvPicPr>
             <a:picLocks noChangeAspect="1" noChangeArrowheads="1"/>
           </p:cNvPicPr>
@@ -12502,8 +13270,8 @@
         </p:blipFill>
         <p:spPr bwMode="auto">
           <a:xfrm>
-            <a:off x="6433707" y="2251078"/>
-            <a:ext cx="603817" cy="430328"/>
+            <a:off x="6516216" y="2276872"/>
+            <a:ext cx="391385" cy="504056"/>
           </a:xfrm>
           <a:prstGeom prst="rect">
             <a:avLst/>
@@ -12511,778 +13279,6 @@
           <a:noFill/>
         </p:spPr>
       </p:pic>
-      <p:sp>
-        <p:nvSpPr>
-          <p:cNvPr id="68" name="TextBox 80"/>
-          <p:cNvSpPr txBox="1"/>
-          <p:nvPr/>
-        </p:nvSpPr>
-        <p:spPr>
-          <a:xfrm>
-            <a:off x="5916149" y="2390795"/>
-            <a:ext cx="345038" cy="268730"/>
-          </a:xfrm>
-          <a:prstGeom prst="rect">
-            <a:avLst/>
-          </a:prstGeom>
-          <a:noFill/>
-        </p:spPr>
-        <p:txBody>
-          <a:bodyPr wrap="square" rtlCol="0">
-            <a:spAutoFit/>
-          </a:bodyPr>
-          <a:lstStyle/>
-          <a:p>
-            <a:r>
-              <a:rPr lang="en-GB" sz="1200" dirty="0" smtClean="0"/>
-              <a:t>1</a:t>
-            </a:r>
-            <a:endParaRPr lang="en-GB" sz="1200" dirty="0"/>
-          </a:p>
-        </p:txBody>
-      </p:sp>
-      <p:sp>
-        <p:nvSpPr>
-          <p:cNvPr id="69" name="TextBox 81"/>
-          <p:cNvSpPr txBox="1"/>
-          <p:nvPr/>
-        </p:nvSpPr>
-        <p:spPr>
-          <a:xfrm>
-            <a:off x="7037524" y="2320937"/>
-            <a:ext cx="603817" cy="447884"/>
-          </a:xfrm>
-          <a:prstGeom prst="rect">
-            <a:avLst/>
-          </a:prstGeom>
-          <a:noFill/>
-        </p:spPr>
-        <p:txBody>
-          <a:bodyPr wrap="square" rtlCol="0">
-            <a:spAutoFit/>
-          </a:bodyPr>
-          <a:lstStyle/>
-          <a:p>
-            <a:r>
-              <a:rPr lang="en-GB" sz="1200" dirty="0" smtClean="0"/>
-              <a:t>T-Shirt</a:t>
-            </a:r>
-            <a:endParaRPr lang="en-GB" sz="1200" dirty="0"/>
-          </a:p>
-        </p:txBody>
-      </p:sp>
-      <p:sp>
-        <p:nvSpPr>
-          <p:cNvPr id="70" name="TextBox 82"/>
-          <p:cNvSpPr txBox="1"/>
-          <p:nvPr/>
-        </p:nvSpPr>
-        <p:spPr>
-          <a:xfrm>
-            <a:off x="7813860" y="2390795"/>
-            <a:ext cx="603817" cy="268730"/>
-          </a:xfrm>
-          <a:prstGeom prst="rect">
-            <a:avLst/>
-          </a:prstGeom>
-          <a:noFill/>
-        </p:spPr>
-        <p:txBody>
-          <a:bodyPr wrap="square" rtlCol="0">
-            <a:spAutoFit/>
-          </a:bodyPr>
-          <a:lstStyle/>
-          <a:p>
-            <a:r>
-              <a:rPr lang="en-GB" sz="1200" dirty="0" smtClean="0"/>
-              <a:t>10£</a:t>
-            </a:r>
-            <a:endParaRPr lang="en-GB" sz="1200" dirty="0"/>
-          </a:p>
-        </p:txBody>
-      </p:sp>
-      <p:sp>
-        <p:nvSpPr>
-          <p:cNvPr id="71" name="Rectangle 88"/>
-          <p:cNvSpPr/>
-          <p:nvPr/>
-        </p:nvSpPr>
-        <p:spPr>
-          <a:xfrm>
-            <a:off x="6174928" y="3159239"/>
-            <a:ext cx="2329009" cy="209576"/>
-          </a:xfrm>
-          <a:prstGeom prst="rect">
-            <a:avLst/>
-          </a:prstGeom>
-        </p:spPr>
-        <p:style>
-          <a:lnRef idx="2">
-            <a:schemeClr val="accent1">
-              <a:shade val="50000"/>
-            </a:schemeClr>
-          </a:lnRef>
-          <a:fillRef idx="1">
-            <a:schemeClr val="accent1"/>
-          </a:fillRef>
-          <a:effectRef idx="0">
-            <a:schemeClr val="accent1"/>
-          </a:effectRef>
-          <a:fontRef idx="minor">
-            <a:schemeClr val="lt1"/>
-          </a:fontRef>
-        </p:style>
-        <p:txBody>
-          <a:bodyPr rtlCol="0" anchor="ctr"/>
-          <a:lstStyle/>
-          <a:p>
-            <a:r>
-              <a:rPr lang="en-GB" sz="1400" dirty="0" smtClean="0"/>
-              <a:t>Subtotal:	             10£</a:t>
-            </a:r>
-            <a:endParaRPr lang="en-GB" sz="1400" dirty="0"/>
-          </a:p>
-        </p:txBody>
-      </p:sp>
-      <p:sp>
-        <p:nvSpPr>
-          <p:cNvPr id="72" name="Rectangle 17"/>
-          <p:cNvSpPr/>
-          <p:nvPr/>
-        </p:nvSpPr>
-        <p:spPr>
-          <a:xfrm>
-            <a:off x="395536" y="3212976"/>
-            <a:ext cx="4830537" cy="2934057"/>
-          </a:xfrm>
-          <a:prstGeom prst="rect">
-            <a:avLst/>
-          </a:prstGeom>
-          <a:solidFill>
-            <a:schemeClr val="bg1"/>
-          </a:solidFill>
-        </p:spPr>
-        <p:style>
-          <a:lnRef idx="2">
-            <a:schemeClr val="accent1">
-              <a:shade val="50000"/>
-            </a:schemeClr>
-          </a:lnRef>
-          <a:fillRef idx="1">
-            <a:schemeClr val="accent1"/>
-          </a:fillRef>
-          <a:effectRef idx="0">
-            <a:schemeClr val="accent1"/>
-          </a:effectRef>
-          <a:fontRef idx="minor">
-            <a:schemeClr val="lt1"/>
-          </a:fontRef>
-        </p:style>
-        <p:txBody>
-          <a:bodyPr rtlCol="0" anchor="ctr"/>
-          <a:lstStyle/>
-          <a:p>
-            <a:pPr algn="ctr"/>
-            <a:endParaRPr lang="en-GB"/>
-          </a:p>
-        </p:txBody>
-      </p:sp>
-      <p:sp>
-        <p:nvSpPr>
-          <p:cNvPr id="73" name="TextBox 20"/>
-          <p:cNvSpPr txBox="1"/>
-          <p:nvPr/>
-        </p:nvSpPr>
-        <p:spPr>
-          <a:xfrm>
-            <a:off x="467544" y="3284984"/>
-            <a:ext cx="2932826" cy="307777"/>
-          </a:xfrm>
-          <a:prstGeom prst="rect">
-            <a:avLst/>
-          </a:prstGeom>
-          <a:noFill/>
-        </p:spPr>
-        <p:txBody>
-          <a:bodyPr wrap="square" rtlCol="0">
-            <a:spAutoFit/>
-          </a:bodyPr>
-          <a:lstStyle/>
-          <a:p>
-            <a:r>
-              <a:rPr lang="en-GB" sz="1400" b="1" dirty="0" smtClean="0"/>
-              <a:t>Shipping Address</a:t>
-            </a:r>
-            <a:endParaRPr lang="en-GB" sz="1400" b="1" dirty="0"/>
-          </a:p>
-        </p:txBody>
-      </p:sp>
-      <p:sp>
-        <p:nvSpPr>
-          <p:cNvPr id="75" name="TextBox 21"/>
-          <p:cNvSpPr txBox="1"/>
-          <p:nvPr/>
-        </p:nvSpPr>
-        <p:spPr>
-          <a:xfrm>
-            <a:off x="467544" y="3645024"/>
-            <a:ext cx="2340000" cy="279433"/>
-          </a:xfrm>
-          <a:prstGeom prst="rect">
-            <a:avLst/>
-          </a:prstGeom>
-          <a:noFill/>
-        </p:spPr>
-        <p:txBody>
-          <a:bodyPr wrap="square" rtlCol="0">
-            <a:spAutoFit/>
-          </a:bodyPr>
-          <a:lstStyle/>
-          <a:p>
-            <a:r>
-              <a:rPr lang="en-GB" sz="1200" dirty="0" smtClean="0"/>
-              <a:t>First Name	</a:t>
-            </a:r>
-            <a:r>
-              <a:rPr lang="en-GB" sz="1200" dirty="0" err="1" smtClean="0"/>
-              <a:t>xxxxxxx</a:t>
-            </a:r>
-            <a:endParaRPr lang="en-GB" sz="1200" dirty="0"/>
-          </a:p>
-        </p:txBody>
-      </p:sp>
-      <p:sp>
-        <p:nvSpPr>
-          <p:cNvPr id="79" name="TextBox 25"/>
-          <p:cNvSpPr txBox="1"/>
-          <p:nvPr/>
-        </p:nvSpPr>
-        <p:spPr>
-          <a:xfrm>
-            <a:off x="467544" y="3933056"/>
-            <a:ext cx="2340000" cy="276999"/>
-          </a:xfrm>
-          <a:prstGeom prst="rect">
-            <a:avLst/>
-          </a:prstGeom>
-          <a:noFill/>
-        </p:spPr>
-        <p:txBody>
-          <a:bodyPr wrap="square" rtlCol="0">
-            <a:spAutoFit/>
-          </a:bodyPr>
-          <a:lstStyle/>
-          <a:p>
-            <a:r>
-              <a:rPr lang="en-GB" sz="1200" dirty="0" smtClean="0"/>
-              <a:t>Last Name	</a:t>
-            </a:r>
-            <a:r>
-              <a:rPr lang="en-GB" sz="1200" dirty="0" err="1" smtClean="0"/>
-              <a:t>xxxxxxxx</a:t>
-            </a:r>
-            <a:endParaRPr lang="en-GB" sz="1200" dirty="0"/>
-          </a:p>
-        </p:txBody>
-      </p:sp>
-      <p:sp>
-        <p:nvSpPr>
-          <p:cNvPr id="80" name="TextBox 26"/>
-          <p:cNvSpPr txBox="1"/>
-          <p:nvPr/>
-        </p:nvSpPr>
-        <p:spPr>
-          <a:xfrm>
-            <a:off x="467544" y="4221088"/>
-            <a:ext cx="2340000" cy="279433"/>
-          </a:xfrm>
-          <a:prstGeom prst="rect">
-            <a:avLst/>
-          </a:prstGeom>
-          <a:noFill/>
-        </p:spPr>
-        <p:txBody>
-          <a:bodyPr wrap="square" rtlCol="0">
-            <a:spAutoFit/>
-          </a:bodyPr>
-          <a:lstStyle/>
-          <a:p>
-            <a:r>
-              <a:rPr lang="en-GB" sz="1200" dirty="0" smtClean="0"/>
-              <a:t>Street	</a:t>
-            </a:r>
-            <a:r>
-              <a:rPr lang="en-GB" sz="1200" dirty="0" err="1" smtClean="0"/>
-              <a:t>xxxxxxxxxxxxxxx</a:t>
-            </a:r>
-            <a:endParaRPr lang="en-GB" sz="1200" dirty="0"/>
-          </a:p>
-        </p:txBody>
-      </p:sp>
-      <p:sp>
-        <p:nvSpPr>
-          <p:cNvPr id="83" name="TextBox 29"/>
-          <p:cNvSpPr txBox="1"/>
-          <p:nvPr/>
-        </p:nvSpPr>
-        <p:spPr>
-          <a:xfrm>
-            <a:off x="467544" y="4509120"/>
-            <a:ext cx="2340000" cy="276999"/>
-          </a:xfrm>
-          <a:prstGeom prst="rect">
-            <a:avLst/>
-          </a:prstGeom>
-          <a:noFill/>
-        </p:spPr>
-        <p:txBody>
-          <a:bodyPr wrap="square" rtlCol="0">
-            <a:spAutoFit/>
-          </a:bodyPr>
-          <a:lstStyle/>
-          <a:p>
-            <a:r>
-              <a:rPr lang="en-GB" sz="1200" dirty="0" smtClean="0"/>
-              <a:t>Nr	</a:t>
-            </a:r>
-            <a:r>
-              <a:rPr lang="en-GB" sz="1200" dirty="0" err="1" smtClean="0"/>
-              <a:t>xxxx</a:t>
-            </a:r>
-            <a:endParaRPr lang="en-GB" sz="1200" dirty="0"/>
-          </a:p>
-        </p:txBody>
-      </p:sp>
-      <p:sp>
-        <p:nvSpPr>
-          <p:cNvPr id="84" name="TextBox 30"/>
-          <p:cNvSpPr txBox="1"/>
-          <p:nvPr/>
-        </p:nvSpPr>
-        <p:spPr>
-          <a:xfrm>
-            <a:off x="467544" y="4797152"/>
-            <a:ext cx="2340000" cy="279433"/>
-          </a:xfrm>
-          <a:prstGeom prst="rect">
-            <a:avLst/>
-          </a:prstGeom>
-          <a:noFill/>
-        </p:spPr>
-        <p:txBody>
-          <a:bodyPr wrap="square" rtlCol="0">
-            <a:spAutoFit/>
-          </a:bodyPr>
-          <a:lstStyle/>
-          <a:p>
-            <a:r>
-              <a:rPr lang="en-GB" sz="1200" dirty="0" smtClean="0"/>
-              <a:t>City	</a:t>
-            </a:r>
-            <a:r>
-              <a:rPr lang="en-GB" sz="1200" dirty="0" err="1" smtClean="0"/>
-              <a:t>xxxxxxxxxxxx</a:t>
-            </a:r>
-            <a:endParaRPr lang="en-GB" sz="1200" dirty="0"/>
-          </a:p>
-        </p:txBody>
-      </p:sp>
-      <p:sp>
-        <p:nvSpPr>
-          <p:cNvPr id="87" name="TextBox 33"/>
-          <p:cNvSpPr txBox="1"/>
-          <p:nvPr/>
-        </p:nvSpPr>
-        <p:spPr>
-          <a:xfrm>
-            <a:off x="467544" y="5085184"/>
-            <a:ext cx="2340000" cy="276999"/>
-          </a:xfrm>
-          <a:prstGeom prst="rect">
-            <a:avLst/>
-          </a:prstGeom>
-          <a:noFill/>
-        </p:spPr>
-        <p:txBody>
-          <a:bodyPr wrap="square" rtlCol="0">
-            <a:spAutoFit/>
-          </a:bodyPr>
-          <a:lstStyle/>
-          <a:p>
-            <a:r>
-              <a:rPr lang="en-GB" sz="1200" dirty="0" smtClean="0"/>
-              <a:t>Zip	</a:t>
-            </a:r>
-            <a:r>
-              <a:rPr lang="en-GB" sz="1200" dirty="0" err="1" smtClean="0"/>
-              <a:t>xxxxxxx</a:t>
-            </a:r>
-            <a:endParaRPr lang="en-GB" sz="1200" dirty="0"/>
-          </a:p>
-        </p:txBody>
-      </p:sp>
-      <p:sp>
-        <p:nvSpPr>
-          <p:cNvPr id="88" name="TextBox 34"/>
-          <p:cNvSpPr txBox="1"/>
-          <p:nvPr/>
-        </p:nvSpPr>
-        <p:spPr>
-          <a:xfrm>
-            <a:off x="467544" y="5373216"/>
-            <a:ext cx="2340000" cy="279433"/>
-          </a:xfrm>
-          <a:prstGeom prst="rect">
-            <a:avLst/>
-          </a:prstGeom>
-          <a:noFill/>
-        </p:spPr>
-        <p:txBody>
-          <a:bodyPr wrap="square" rtlCol="0">
-            <a:spAutoFit/>
-          </a:bodyPr>
-          <a:lstStyle/>
-          <a:p>
-            <a:r>
-              <a:rPr lang="en-GB" sz="1200" dirty="0" smtClean="0"/>
-              <a:t>Country	</a:t>
-            </a:r>
-            <a:r>
-              <a:rPr lang="en-GB" sz="1200" dirty="0" err="1" smtClean="0"/>
-              <a:t>xxxxxxxxxx</a:t>
-            </a:r>
-            <a:endParaRPr lang="en-GB" sz="1200" dirty="0"/>
-          </a:p>
-        </p:txBody>
-      </p:sp>
-      <p:sp>
-        <p:nvSpPr>
-          <p:cNvPr id="90" name="Rounded Rectangle 42"/>
-          <p:cNvSpPr/>
-          <p:nvPr/>
-        </p:nvSpPr>
-        <p:spPr>
-          <a:xfrm>
-            <a:off x="3932179" y="5689191"/>
-            <a:ext cx="1121375" cy="318125"/>
-          </a:xfrm>
-          <a:prstGeom prst="roundRect">
-            <a:avLst/>
-          </a:prstGeom>
-        </p:spPr>
-        <p:style>
-          <a:lnRef idx="2">
-            <a:schemeClr val="accent1">
-              <a:shade val="50000"/>
-            </a:schemeClr>
-          </a:lnRef>
-          <a:fillRef idx="1">
-            <a:schemeClr val="accent1"/>
-          </a:fillRef>
-          <a:effectRef idx="0">
-            <a:schemeClr val="accent1"/>
-          </a:effectRef>
-          <a:fontRef idx="minor">
-            <a:schemeClr val="lt1"/>
-          </a:fontRef>
-        </p:style>
-        <p:txBody>
-          <a:bodyPr rtlCol="0" anchor="ctr"/>
-          <a:lstStyle/>
-          <a:p>
-            <a:pPr algn="ctr"/>
-            <a:r>
-              <a:rPr lang="en-GB" sz="1200" dirty="0" smtClean="0"/>
-              <a:t>Place order</a:t>
-            </a:r>
-            <a:endParaRPr lang="en-GB" sz="1200" dirty="0"/>
-          </a:p>
-        </p:txBody>
-      </p:sp>
-      <p:sp>
-        <p:nvSpPr>
-          <p:cNvPr id="44" name="TextBox 21"/>
-          <p:cNvSpPr txBox="1"/>
-          <p:nvPr/>
-        </p:nvSpPr>
-        <p:spPr>
-          <a:xfrm>
-            <a:off x="2771800" y="3645024"/>
-            <a:ext cx="2340000" cy="276999"/>
-          </a:xfrm>
-          <a:prstGeom prst="rect">
-            <a:avLst/>
-          </a:prstGeom>
-          <a:noFill/>
-        </p:spPr>
-        <p:txBody>
-          <a:bodyPr wrap="square" rtlCol="0">
-            <a:spAutoFit/>
-          </a:bodyPr>
-          <a:lstStyle/>
-          <a:p>
-            <a:pPr>
-              <a:tabLst>
-                <a:tab pos="1079500" algn="l"/>
-              </a:tabLst>
-            </a:pPr>
-            <a:r>
-              <a:rPr lang="en-GB" sz="1200" dirty="0" smtClean="0"/>
-              <a:t>Card holder	 </a:t>
-            </a:r>
-            <a:r>
-              <a:rPr lang="en-GB" sz="1200" dirty="0" err="1" smtClean="0"/>
-              <a:t>xxxxxxx</a:t>
-            </a:r>
-            <a:r>
-              <a:rPr lang="en-GB" sz="1200" dirty="0" smtClean="0"/>
-              <a:t> </a:t>
-            </a:r>
-            <a:r>
-              <a:rPr lang="en-GB" sz="1200" dirty="0" err="1" smtClean="0"/>
-              <a:t>xxxxxxxx</a:t>
-            </a:r>
-            <a:endParaRPr lang="en-GB" sz="1200" dirty="0"/>
-          </a:p>
-        </p:txBody>
-      </p:sp>
-      <p:sp>
-        <p:nvSpPr>
-          <p:cNvPr id="45" name="TextBox 25"/>
-          <p:cNvSpPr txBox="1"/>
-          <p:nvPr/>
-        </p:nvSpPr>
-        <p:spPr>
-          <a:xfrm>
-            <a:off x="2771800" y="3933056"/>
-            <a:ext cx="2592288" cy="276999"/>
-          </a:xfrm>
-          <a:prstGeom prst="rect">
-            <a:avLst/>
-          </a:prstGeom>
-          <a:noFill/>
-        </p:spPr>
-        <p:txBody>
-          <a:bodyPr wrap="square" rtlCol="0">
-            <a:spAutoFit/>
-          </a:bodyPr>
-          <a:lstStyle/>
-          <a:p>
-            <a:pPr>
-              <a:tabLst>
-                <a:tab pos="1079500" algn="l"/>
-              </a:tabLst>
-            </a:pPr>
-            <a:r>
-              <a:rPr lang="en-GB" sz="1200" dirty="0" smtClean="0"/>
-              <a:t>Card number	</a:t>
-            </a:r>
-            <a:r>
-              <a:rPr lang="en-GB" sz="1200" dirty="0" err="1" smtClean="0"/>
-              <a:t>yyyy</a:t>
-            </a:r>
-            <a:r>
-              <a:rPr lang="en-GB" sz="1200" dirty="0" smtClean="0"/>
-              <a:t> </a:t>
-            </a:r>
-            <a:r>
-              <a:rPr lang="en-GB" sz="1200" dirty="0" err="1" smtClean="0"/>
-              <a:t>xxxx</a:t>
-            </a:r>
-            <a:r>
-              <a:rPr lang="en-GB" sz="1200" dirty="0" smtClean="0"/>
-              <a:t> </a:t>
-            </a:r>
-            <a:r>
-              <a:rPr lang="en-GB" sz="1200" dirty="0" err="1" smtClean="0"/>
-              <a:t>xxxx</a:t>
-            </a:r>
-            <a:r>
-              <a:rPr lang="en-GB" sz="1200" dirty="0" smtClean="0"/>
-              <a:t> </a:t>
-            </a:r>
-            <a:r>
-              <a:rPr lang="en-GB" sz="1200" dirty="0" err="1" smtClean="0"/>
-              <a:t>yyyy</a:t>
-            </a:r>
-            <a:endParaRPr lang="en-GB" sz="1200" dirty="0"/>
-          </a:p>
-        </p:txBody>
-      </p:sp>
-      <p:sp>
-        <p:nvSpPr>
-          <p:cNvPr id="46" name="TextBox 26"/>
-          <p:cNvSpPr txBox="1"/>
-          <p:nvPr/>
-        </p:nvSpPr>
-        <p:spPr>
-          <a:xfrm>
-            <a:off x="2771800" y="4221088"/>
-            <a:ext cx="2340000" cy="279433"/>
-          </a:xfrm>
-          <a:prstGeom prst="rect">
-            <a:avLst/>
-          </a:prstGeom>
-          <a:noFill/>
-        </p:spPr>
-        <p:txBody>
-          <a:bodyPr wrap="square" rtlCol="0">
-            <a:spAutoFit/>
-          </a:bodyPr>
-          <a:lstStyle/>
-          <a:p>
-            <a:r>
-              <a:rPr lang="en-GB" sz="1200" dirty="0" smtClean="0"/>
-              <a:t>Card holder’s address</a:t>
-            </a:r>
-            <a:endParaRPr lang="en-GB" sz="1200" dirty="0"/>
-          </a:p>
-        </p:txBody>
-      </p:sp>
-      <p:sp>
-        <p:nvSpPr>
-          <p:cNvPr id="47" name="TextBox 29"/>
-          <p:cNvSpPr txBox="1"/>
-          <p:nvPr/>
-        </p:nvSpPr>
-        <p:spPr>
-          <a:xfrm>
-            <a:off x="2771800" y="4437112"/>
-            <a:ext cx="2340000" cy="646331"/>
-          </a:xfrm>
-          <a:prstGeom prst="rect">
-            <a:avLst/>
-          </a:prstGeom>
-          <a:noFill/>
-        </p:spPr>
-        <p:txBody>
-          <a:bodyPr wrap="square" rtlCol="0">
-            <a:spAutoFit/>
-          </a:bodyPr>
-          <a:lstStyle/>
-          <a:p>
-            <a:pPr>
-              <a:tabLst>
-                <a:tab pos="182563" algn="l"/>
-                <a:tab pos="1435100" algn="l"/>
-              </a:tabLst>
-            </a:pPr>
-            <a:r>
-              <a:rPr lang="en-GB" sz="1200" dirty="0" smtClean="0"/>
-              <a:t>	</a:t>
-            </a:r>
-            <a:r>
-              <a:rPr lang="en-GB" sz="1200" dirty="0" err="1" smtClean="0"/>
-              <a:t>xxxxxxxxxxxxxxx</a:t>
-            </a:r>
-            <a:r>
-              <a:rPr lang="en-GB" sz="1200" dirty="0" smtClean="0"/>
-              <a:t>	 </a:t>
-            </a:r>
-            <a:r>
-              <a:rPr lang="en-GB" sz="1200" dirty="0" err="1" smtClean="0"/>
-              <a:t>xxxx</a:t>
-            </a:r>
-            <a:endParaRPr lang="en-GB" sz="1200" dirty="0" smtClean="0"/>
-          </a:p>
-          <a:p>
-            <a:pPr>
-              <a:tabLst>
-                <a:tab pos="182563" algn="l"/>
-                <a:tab pos="1435100" algn="l"/>
-              </a:tabLst>
-            </a:pPr>
-            <a:r>
-              <a:rPr lang="en-GB" sz="1200" dirty="0" smtClean="0"/>
-              <a:t>	</a:t>
-            </a:r>
-            <a:r>
-              <a:rPr lang="en-GB" sz="1200" dirty="0" err="1" smtClean="0"/>
-              <a:t>xxxxxxxxxxxx</a:t>
-            </a:r>
-            <a:r>
-              <a:rPr lang="en-GB" sz="1200" dirty="0" smtClean="0"/>
-              <a:t>	 </a:t>
-            </a:r>
-            <a:r>
-              <a:rPr lang="en-GB" sz="1200" dirty="0" err="1" smtClean="0"/>
-              <a:t>xxxxxxx</a:t>
-            </a:r>
-            <a:endParaRPr lang="en-GB" sz="1200" dirty="0" smtClean="0"/>
-          </a:p>
-          <a:p>
-            <a:pPr>
-              <a:tabLst>
-                <a:tab pos="182563" algn="l"/>
-                <a:tab pos="1435100" algn="l"/>
-              </a:tabLst>
-            </a:pPr>
-            <a:r>
-              <a:rPr lang="en-GB" sz="1200" dirty="0" smtClean="0"/>
-              <a:t>	</a:t>
-            </a:r>
-            <a:r>
-              <a:rPr lang="en-GB" sz="1200" dirty="0" err="1" smtClean="0"/>
-              <a:t>xxxxxxxxxx</a:t>
-            </a:r>
-            <a:endParaRPr lang="en-GB" sz="1200" dirty="0"/>
-          </a:p>
-        </p:txBody>
-      </p:sp>
-      <p:sp>
-        <p:nvSpPr>
-          <p:cNvPr id="52" name="TextBox 20"/>
-          <p:cNvSpPr txBox="1"/>
-          <p:nvPr/>
-        </p:nvSpPr>
-        <p:spPr>
-          <a:xfrm>
-            <a:off x="2555776" y="3284984"/>
-            <a:ext cx="2160240" cy="307777"/>
-          </a:xfrm>
-          <a:prstGeom prst="rect">
-            <a:avLst/>
-          </a:prstGeom>
-          <a:noFill/>
-        </p:spPr>
-        <p:txBody>
-          <a:bodyPr wrap="square" rtlCol="0">
-            <a:spAutoFit/>
-          </a:bodyPr>
-          <a:lstStyle/>
-          <a:p>
-            <a:r>
-              <a:rPr lang="en-GB" sz="1400" b="1" dirty="0" smtClean="0"/>
-              <a:t>Payment details</a:t>
-            </a:r>
-            <a:endParaRPr lang="en-GB" sz="1400" b="1" dirty="0"/>
-          </a:p>
-        </p:txBody>
-      </p:sp>
-      <p:sp>
-        <p:nvSpPr>
-          <p:cNvPr id="50" name="Espace réservé du numéro de diapositive 49"/>
-          <p:cNvSpPr>
-            <a:spLocks noGrp="1"/>
-          </p:cNvSpPr>
-          <p:nvPr>
-            <p:ph type="sldNum" sz="quarter" idx="12"/>
-          </p:nvPr>
-        </p:nvSpPr>
-        <p:spPr/>
-        <p:txBody>
-          <a:bodyPr/>
-          <a:lstStyle/>
-          <a:p>
-            <a:fld id="{3055DF15-42B6-4BFF-B68D-63E611223A70}" type="slidenum">
-              <a:rPr lang="en-GB" smtClean="0"/>
-              <a:pPr/>
-              <a:t>14</a:t>
-            </a:fld>
-            <a:endParaRPr lang="en-GB"/>
-          </a:p>
-        </p:txBody>
-      </p:sp>
     </p:spTree>
   </p:cSld>
   <p:clrMapOvr>
@@ -14227,9 +14223,440 @@
           </a:fontRef>
         </p:style>
       </p:cxnSp>
+      <p:sp>
+        <p:nvSpPr>
+          <p:cNvPr id="68" name="TextBox 80"/>
+          <p:cNvSpPr txBox="1"/>
+          <p:nvPr/>
+        </p:nvSpPr>
+        <p:spPr>
+          <a:xfrm>
+            <a:off x="5916149" y="2390795"/>
+            <a:ext cx="345038" cy="268730"/>
+          </a:xfrm>
+          <a:prstGeom prst="rect">
+            <a:avLst/>
+          </a:prstGeom>
+          <a:noFill/>
+        </p:spPr>
+        <p:txBody>
+          <a:bodyPr wrap="square" rtlCol="0">
+            <a:spAutoFit/>
+          </a:bodyPr>
+          <a:lstStyle/>
+          <a:p>
+            <a:r>
+              <a:rPr lang="en-GB" sz="1200" dirty="0" smtClean="0"/>
+              <a:t>1</a:t>
+            </a:r>
+            <a:endParaRPr lang="en-GB" sz="1200" dirty="0"/>
+          </a:p>
+        </p:txBody>
+      </p:sp>
+      <p:sp>
+        <p:nvSpPr>
+          <p:cNvPr id="70" name="TextBox 82"/>
+          <p:cNvSpPr txBox="1"/>
+          <p:nvPr/>
+        </p:nvSpPr>
+        <p:spPr>
+          <a:xfrm>
+            <a:off x="7813860" y="2390795"/>
+            <a:ext cx="603817" cy="268730"/>
+          </a:xfrm>
+          <a:prstGeom prst="rect">
+            <a:avLst/>
+          </a:prstGeom>
+          <a:noFill/>
+        </p:spPr>
+        <p:txBody>
+          <a:bodyPr wrap="square" rtlCol="0">
+            <a:spAutoFit/>
+          </a:bodyPr>
+          <a:lstStyle/>
+          <a:p>
+            <a:r>
+              <a:rPr lang="en-GB" sz="1200" dirty="0" smtClean="0"/>
+              <a:t>10£</a:t>
+            </a:r>
+            <a:endParaRPr lang="en-GB" sz="1200" dirty="0"/>
+          </a:p>
+        </p:txBody>
+      </p:sp>
+      <p:sp>
+        <p:nvSpPr>
+          <p:cNvPr id="71" name="Rectangle 88"/>
+          <p:cNvSpPr/>
+          <p:nvPr/>
+        </p:nvSpPr>
+        <p:spPr>
+          <a:xfrm>
+            <a:off x="6174928" y="3159239"/>
+            <a:ext cx="2329009" cy="209576"/>
+          </a:xfrm>
+          <a:prstGeom prst="rect">
+            <a:avLst/>
+          </a:prstGeom>
+        </p:spPr>
+        <p:style>
+          <a:lnRef idx="2">
+            <a:schemeClr val="accent1">
+              <a:shade val="50000"/>
+            </a:schemeClr>
+          </a:lnRef>
+          <a:fillRef idx="1">
+            <a:schemeClr val="accent1"/>
+          </a:fillRef>
+          <a:effectRef idx="0">
+            <a:schemeClr val="accent1"/>
+          </a:effectRef>
+          <a:fontRef idx="minor">
+            <a:schemeClr val="lt1"/>
+          </a:fontRef>
+        </p:style>
+        <p:txBody>
+          <a:bodyPr rtlCol="0" anchor="ctr"/>
+          <a:lstStyle/>
+          <a:p>
+            <a:r>
+              <a:rPr lang="en-GB" sz="1400" dirty="0" smtClean="0"/>
+              <a:t>Subtotal:	             10£</a:t>
+            </a:r>
+            <a:endParaRPr lang="en-GB" sz="1400" dirty="0"/>
+          </a:p>
+        </p:txBody>
+      </p:sp>
+      <p:sp>
+        <p:nvSpPr>
+          <p:cNvPr id="72" name="Rectangle 17"/>
+          <p:cNvSpPr/>
+          <p:nvPr/>
+        </p:nvSpPr>
+        <p:spPr>
+          <a:xfrm>
+            <a:off x="395536" y="1844824"/>
+            <a:ext cx="4830537" cy="4302209"/>
+          </a:xfrm>
+          <a:prstGeom prst="rect">
+            <a:avLst/>
+          </a:prstGeom>
+          <a:solidFill>
+            <a:schemeClr val="bg1"/>
+          </a:solidFill>
+        </p:spPr>
+        <p:style>
+          <a:lnRef idx="2">
+            <a:schemeClr val="accent1">
+              <a:shade val="50000"/>
+            </a:schemeClr>
+          </a:lnRef>
+          <a:fillRef idx="1">
+            <a:schemeClr val="accent1"/>
+          </a:fillRef>
+          <a:effectRef idx="0">
+            <a:schemeClr val="accent1"/>
+          </a:effectRef>
+          <a:fontRef idx="minor">
+            <a:schemeClr val="lt1"/>
+          </a:fontRef>
+        </p:style>
+        <p:txBody>
+          <a:bodyPr rtlCol="0" anchor="ctr"/>
+          <a:lstStyle/>
+          <a:p>
+            <a:pPr algn="ctr"/>
+            <a:endParaRPr lang="en-GB"/>
+          </a:p>
+        </p:txBody>
+      </p:sp>
+      <p:sp>
+        <p:nvSpPr>
+          <p:cNvPr id="73" name="TextBox 20"/>
+          <p:cNvSpPr txBox="1"/>
+          <p:nvPr/>
+        </p:nvSpPr>
+        <p:spPr>
+          <a:xfrm>
+            <a:off x="467544" y="1916832"/>
+            <a:ext cx="2932826" cy="307777"/>
+          </a:xfrm>
+          <a:prstGeom prst="rect">
+            <a:avLst/>
+          </a:prstGeom>
+          <a:noFill/>
+        </p:spPr>
+        <p:txBody>
+          <a:bodyPr wrap="square" rtlCol="0">
+            <a:spAutoFit/>
+          </a:bodyPr>
+          <a:lstStyle/>
+          <a:p>
+            <a:r>
+              <a:rPr lang="en-GB" sz="1400" b="1" dirty="0" smtClean="0"/>
+              <a:t>Confirmation</a:t>
+            </a:r>
+            <a:endParaRPr lang="en-GB" sz="1400" b="1" dirty="0"/>
+          </a:p>
+        </p:txBody>
+      </p:sp>
+      <p:sp>
+        <p:nvSpPr>
+          <p:cNvPr id="90" name="Rounded Rectangle 42"/>
+          <p:cNvSpPr/>
+          <p:nvPr/>
+        </p:nvSpPr>
+        <p:spPr>
+          <a:xfrm>
+            <a:off x="3347865" y="5689191"/>
+            <a:ext cx="1705690" cy="318125"/>
+          </a:xfrm>
+          <a:prstGeom prst="roundRect">
+            <a:avLst/>
+          </a:prstGeom>
+        </p:spPr>
+        <p:style>
+          <a:lnRef idx="2">
+            <a:schemeClr val="accent1">
+              <a:shade val="50000"/>
+            </a:schemeClr>
+          </a:lnRef>
+          <a:fillRef idx="1">
+            <a:schemeClr val="accent1"/>
+          </a:fillRef>
+          <a:effectRef idx="0">
+            <a:schemeClr val="accent1"/>
+          </a:effectRef>
+          <a:fontRef idx="minor">
+            <a:schemeClr val="lt1"/>
+          </a:fontRef>
+        </p:style>
+        <p:txBody>
+          <a:bodyPr rtlCol="0" anchor="ctr"/>
+          <a:lstStyle/>
+          <a:p>
+            <a:pPr algn="ctr"/>
+            <a:r>
+              <a:rPr lang="en-GB" sz="1200" dirty="0" smtClean="0"/>
+              <a:t>Go back to Home</a:t>
+            </a:r>
+            <a:endParaRPr lang="en-GB" sz="1200" dirty="0"/>
+          </a:p>
+        </p:txBody>
+      </p:sp>
+      <p:sp>
+        <p:nvSpPr>
+          <p:cNvPr id="49" name="TextBox 21"/>
+          <p:cNvSpPr txBox="1"/>
+          <p:nvPr/>
+        </p:nvSpPr>
+        <p:spPr>
+          <a:xfrm>
+            <a:off x="467544" y="2204864"/>
+            <a:ext cx="4104456" cy="276999"/>
+          </a:xfrm>
+          <a:prstGeom prst="rect">
+            <a:avLst/>
+          </a:prstGeom>
+          <a:noFill/>
+        </p:spPr>
+        <p:txBody>
+          <a:bodyPr wrap="square" rtlCol="0">
+            <a:spAutoFit/>
+          </a:bodyPr>
+          <a:lstStyle/>
+          <a:p>
+            <a:r>
+              <a:rPr lang="en-GB" sz="1200" dirty="0" smtClean="0"/>
+              <a:t>Thank you very much for shopping at</a:t>
+            </a:r>
+            <a:endParaRPr lang="en-GB" sz="1200" dirty="0"/>
+          </a:p>
+        </p:txBody>
+      </p:sp>
+      <p:sp>
+        <p:nvSpPr>
+          <p:cNvPr id="50" name="Oval 4"/>
+          <p:cNvSpPr/>
+          <p:nvPr/>
+        </p:nvSpPr>
+        <p:spPr>
+          <a:xfrm>
+            <a:off x="1619672" y="2636912"/>
+            <a:ext cx="2088232" cy="1152128"/>
+          </a:xfrm>
+          <a:prstGeom prst="ellipse">
+            <a:avLst/>
+          </a:prstGeom>
+        </p:spPr>
+        <p:style>
+          <a:lnRef idx="2">
+            <a:schemeClr val="accent1">
+              <a:shade val="50000"/>
+            </a:schemeClr>
+          </a:lnRef>
+          <a:fillRef idx="1">
+            <a:schemeClr val="accent1"/>
+          </a:fillRef>
+          <a:effectRef idx="0">
+            <a:schemeClr val="accent1"/>
+          </a:effectRef>
+          <a:fontRef idx="minor">
+            <a:schemeClr val="lt1"/>
+          </a:fontRef>
+        </p:style>
+        <p:txBody>
+          <a:bodyPr rtlCol="0" anchor="ctr"/>
+          <a:lstStyle/>
+          <a:p>
+            <a:pPr algn="ctr"/>
+            <a:r>
+              <a:rPr lang="en-GB" dirty="0" smtClean="0"/>
+              <a:t>Logo</a:t>
+            </a:r>
+            <a:endParaRPr lang="en-GB" dirty="0"/>
+          </a:p>
+        </p:txBody>
+      </p:sp>
+      <p:sp>
+        <p:nvSpPr>
+          <p:cNvPr id="51" name="TextBox 21"/>
+          <p:cNvSpPr txBox="1"/>
+          <p:nvPr/>
+        </p:nvSpPr>
+        <p:spPr>
+          <a:xfrm>
+            <a:off x="467544" y="3933056"/>
+            <a:ext cx="4104456" cy="646331"/>
+          </a:xfrm>
+          <a:prstGeom prst="rect">
+            <a:avLst/>
+          </a:prstGeom>
+          <a:noFill/>
+        </p:spPr>
+        <p:txBody>
+          <a:bodyPr wrap="square" rtlCol="0">
+            <a:spAutoFit/>
+          </a:bodyPr>
+          <a:lstStyle/>
+          <a:p>
+            <a:r>
+              <a:rPr lang="en-GB" sz="1200" dirty="0" smtClean="0"/>
+              <a:t>Your order will be carried out as fast as possible.</a:t>
+            </a:r>
+          </a:p>
+          <a:p>
+            <a:endParaRPr lang="en-GB" sz="1200" dirty="0" smtClean="0"/>
+          </a:p>
+          <a:p>
+            <a:r>
+              <a:rPr lang="en-GB" sz="1200" dirty="0" smtClean="0"/>
+              <a:t>We would be honoured to welcome you again in our web shop.</a:t>
+            </a:r>
+            <a:endParaRPr lang="en-GB" sz="1200" dirty="0"/>
+          </a:p>
+        </p:txBody>
+      </p:sp>
+      <p:sp>
+        <p:nvSpPr>
+          <p:cNvPr id="53" name="Rounded Rectangle 42"/>
+          <p:cNvSpPr/>
+          <p:nvPr/>
+        </p:nvSpPr>
+        <p:spPr>
+          <a:xfrm>
+            <a:off x="611560" y="5697824"/>
+            <a:ext cx="1705690" cy="318125"/>
+          </a:xfrm>
+          <a:prstGeom prst="roundRect">
+            <a:avLst/>
+          </a:prstGeom>
+        </p:spPr>
+        <p:style>
+          <a:lnRef idx="2">
+            <a:schemeClr val="accent1">
+              <a:shade val="50000"/>
+            </a:schemeClr>
+          </a:lnRef>
+          <a:fillRef idx="1">
+            <a:schemeClr val="accent1"/>
+          </a:fillRef>
+          <a:effectRef idx="0">
+            <a:schemeClr val="accent1"/>
+          </a:effectRef>
+          <a:fontRef idx="minor">
+            <a:schemeClr val="lt1"/>
+          </a:fontRef>
+        </p:style>
+        <p:txBody>
+          <a:bodyPr rtlCol="0" anchor="ctr"/>
+          <a:lstStyle/>
+          <a:p>
+            <a:pPr algn="ctr"/>
+            <a:r>
+              <a:rPr lang="en-GB" sz="1200" dirty="0" smtClean="0"/>
+              <a:t>See order status</a:t>
+            </a:r>
+            <a:endParaRPr lang="en-GB" sz="1200" dirty="0"/>
+          </a:p>
+        </p:txBody>
+      </p:sp>
+      <p:sp>
+        <p:nvSpPr>
+          <p:cNvPr id="38" name="Espace réservé du numéro de diapositive 37"/>
+          <p:cNvSpPr>
+            <a:spLocks noGrp="1"/>
+          </p:cNvSpPr>
+          <p:nvPr>
+            <p:ph type="sldNum" sz="quarter" idx="12"/>
+          </p:nvPr>
+        </p:nvSpPr>
+        <p:spPr/>
+        <p:txBody>
+          <a:bodyPr/>
+          <a:lstStyle/>
+          <a:p>
+            <a:fld id="{3055DF15-42B6-4BFF-B68D-63E611223A70}" type="slidenum">
+              <a:rPr lang="en-GB" smtClean="0"/>
+              <a:pPr/>
+              <a:t>15</a:t>
+            </a:fld>
+            <a:endParaRPr lang="en-GB"/>
+          </a:p>
+        </p:txBody>
+      </p:sp>
+      <p:sp>
+        <p:nvSpPr>
+          <p:cNvPr id="39" name="TextBox 81"/>
+          <p:cNvSpPr txBox="1"/>
+          <p:nvPr/>
+        </p:nvSpPr>
+        <p:spPr>
+          <a:xfrm>
+            <a:off x="6948264" y="2320937"/>
+            <a:ext cx="693077" cy="276999"/>
+          </a:xfrm>
+          <a:prstGeom prst="rect">
+            <a:avLst/>
+          </a:prstGeom>
+          <a:noFill/>
+        </p:spPr>
+        <p:txBody>
+          <a:bodyPr wrap="square" rtlCol="0">
+            <a:spAutoFit/>
+          </a:bodyPr>
+          <a:lstStyle/>
+          <a:p>
+            <a:r>
+              <a:rPr lang="en-GB" sz="1200" dirty="0" smtClean="0"/>
+              <a:t>Trouser</a:t>
+            </a:r>
+            <a:endParaRPr lang="en-GB" sz="1200" dirty="0"/>
+          </a:p>
+        </p:txBody>
+      </p:sp>
       <p:pic>
         <p:nvPicPr>
-          <p:cNvPr id="67" name="Picture 2" descr="C:\Users\u01sit11\Desktop\Capture.PNG"/>
+          <p:cNvPr id="42" name="Picture 4" descr="D:\Downloads\CA324063.jpg"/>
           <p:cNvPicPr>
             <a:picLocks noChangeAspect="1" noChangeArrowheads="1"/>
           </p:cNvPicPr>
@@ -14244,8 +14671,8 @@
         </p:blipFill>
         <p:spPr bwMode="auto">
           <a:xfrm>
-            <a:off x="6433707" y="2251078"/>
-            <a:ext cx="603817" cy="430328"/>
+            <a:off x="6516216" y="2276872"/>
+            <a:ext cx="391385" cy="504056"/>
           </a:xfrm>
           <a:prstGeom prst="rect">
             <a:avLst/>
@@ -14253,437 +14680,6 @@
           <a:noFill/>
         </p:spPr>
       </p:pic>
-      <p:sp>
-        <p:nvSpPr>
-          <p:cNvPr id="68" name="TextBox 80"/>
-          <p:cNvSpPr txBox="1"/>
-          <p:nvPr/>
-        </p:nvSpPr>
-        <p:spPr>
-          <a:xfrm>
-            <a:off x="5916149" y="2390795"/>
-            <a:ext cx="345038" cy="268730"/>
-          </a:xfrm>
-          <a:prstGeom prst="rect">
-            <a:avLst/>
-          </a:prstGeom>
-          <a:noFill/>
-        </p:spPr>
-        <p:txBody>
-          <a:bodyPr wrap="square" rtlCol="0">
-            <a:spAutoFit/>
-          </a:bodyPr>
-          <a:lstStyle/>
-          <a:p>
-            <a:r>
-              <a:rPr lang="en-GB" sz="1200" dirty="0" smtClean="0"/>
-              <a:t>1</a:t>
-            </a:r>
-            <a:endParaRPr lang="en-GB" sz="1200" dirty="0"/>
-          </a:p>
-        </p:txBody>
-      </p:sp>
-      <p:sp>
-        <p:nvSpPr>
-          <p:cNvPr id="69" name="TextBox 81"/>
-          <p:cNvSpPr txBox="1"/>
-          <p:nvPr/>
-        </p:nvSpPr>
-        <p:spPr>
-          <a:xfrm>
-            <a:off x="7037524" y="2320937"/>
-            <a:ext cx="603817" cy="447884"/>
-          </a:xfrm>
-          <a:prstGeom prst="rect">
-            <a:avLst/>
-          </a:prstGeom>
-          <a:noFill/>
-        </p:spPr>
-        <p:txBody>
-          <a:bodyPr wrap="square" rtlCol="0">
-            <a:spAutoFit/>
-          </a:bodyPr>
-          <a:lstStyle/>
-          <a:p>
-            <a:r>
-              <a:rPr lang="en-GB" sz="1200" dirty="0" smtClean="0"/>
-              <a:t>T-Shirt</a:t>
-            </a:r>
-            <a:endParaRPr lang="en-GB" sz="1200" dirty="0"/>
-          </a:p>
-        </p:txBody>
-      </p:sp>
-      <p:sp>
-        <p:nvSpPr>
-          <p:cNvPr id="70" name="TextBox 82"/>
-          <p:cNvSpPr txBox="1"/>
-          <p:nvPr/>
-        </p:nvSpPr>
-        <p:spPr>
-          <a:xfrm>
-            <a:off x="7813860" y="2390795"/>
-            <a:ext cx="603817" cy="268730"/>
-          </a:xfrm>
-          <a:prstGeom prst="rect">
-            <a:avLst/>
-          </a:prstGeom>
-          <a:noFill/>
-        </p:spPr>
-        <p:txBody>
-          <a:bodyPr wrap="square" rtlCol="0">
-            <a:spAutoFit/>
-          </a:bodyPr>
-          <a:lstStyle/>
-          <a:p>
-            <a:r>
-              <a:rPr lang="en-GB" sz="1200" dirty="0" smtClean="0"/>
-              <a:t>10£</a:t>
-            </a:r>
-            <a:endParaRPr lang="en-GB" sz="1200" dirty="0"/>
-          </a:p>
-        </p:txBody>
-      </p:sp>
-      <p:sp>
-        <p:nvSpPr>
-          <p:cNvPr id="71" name="Rectangle 88"/>
-          <p:cNvSpPr/>
-          <p:nvPr/>
-        </p:nvSpPr>
-        <p:spPr>
-          <a:xfrm>
-            <a:off x="6174928" y="3159239"/>
-            <a:ext cx="2329009" cy="209576"/>
-          </a:xfrm>
-          <a:prstGeom prst="rect">
-            <a:avLst/>
-          </a:prstGeom>
-        </p:spPr>
-        <p:style>
-          <a:lnRef idx="2">
-            <a:schemeClr val="accent1">
-              <a:shade val="50000"/>
-            </a:schemeClr>
-          </a:lnRef>
-          <a:fillRef idx="1">
-            <a:schemeClr val="accent1"/>
-          </a:fillRef>
-          <a:effectRef idx="0">
-            <a:schemeClr val="accent1"/>
-          </a:effectRef>
-          <a:fontRef idx="minor">
-            <a:schemeClr val="lt1"/>
-          </a:fontRef>
-        </p:style>
-        <p:txBody>
-          <a:bodyPr rtlCol="0" anchor="ctr"/>
-          <a:lstStyle/>
-          <a:p>
-            <a:r>
-              <a:rPr lang="en-GB" sz="1400" dirty="0" smtClean="0"/>
-              <a:t>Subtotal:	             10£</a:t>
-            </a:r>
-            <a:endParaRPr lang="en-GB" sz="1400" dirty="0"/>
-          </a:p>
-        </p:txBody>
-      </p:sp>
-      <p:sp>
-        <p:nvSpPr>
-          <p:cNvPr id="72" name="Rectangle 17"/>
-          <p:cNvSpPr/>
-          <p:nvPr/>
-        </p:nvSpPr>
-        <p:spPr>
-          <a:xfrm>
-            <a:off x="395536" y="1844824"/>
-            <a:ext cx="4830537" cy="4302209"/>
-          </a:xfrm>
-          <a:prstGeom prst="rect">
-            <a:avLst/>
-          </a:prstGeom>
-          <a:solidFill>
-            <a:schemeClr val="bg1"/>
-          </a:solidFill>
-        </p:spPr>
-        <p:style>
-          <a:lnRef idx="2">
-            <a:schemeClr val="accent1">
-              <a:shade val="50000"/>
-            </a:schemeClr>
-          </a:lnRef>
-          <a:fillRef idx="1">
-            <a:schemeClr val="accent1"/>
-          </a:fillRef>
-          <a:effectRef idx="0">
-            <a:schemeClr val="accent1"/>
-          </a:effectRef>
-          <a:fontRef idx="minor">
-            <a:schemeClr val="lt1"/>
-          </a:fontRef>
-        </p:style>
-        <p:txBody>
-          <a:bodyPr rtlCol="0" anchor="ctr"/>
-          <a:lstStyle/>
-          <a:p>
-            <a:pPr algn="ctr"/>
-            <a:endParaRPr lang="en-GB"/>
-          </a:p>
-        </p:txBody>
-      </p:sp>
-      <p:sp>
-        <p:nvSpPr>
-          <p:cNvPr id="73" name="TextBox 20"/>
-          <p:cNvSpPr txBox="1"/>
-          <p:nvPr/>
-        </p:nvSpPr>
-        <p:spPr>
-          <a:xfrm>
-            <a:off x="467544" y="1916832"/>
-            <a:ext cx="2932826" cy="307777"/>
-          </a:xfrm>
-          <a:prstGeom prst="rect">
-            <a:avLst/>
-          </a:prstGeom>
-          <a:noFill/>
-        </p:spPr>
-        <p:txBody>
-          <a:bodyPr wrap="square" rtlCol="0">
-            <a:spAutoFit/>
-          </a:bodyPr>
-          <a:lstStyle/>
-          <a:p>
-            <a:r>
-              <a:rPr lang="en-GB" sz="1400" b="1" dirty="0" smtClean="0"/>
-              <a:t>Confirmation</a:t>
-            </a:r>
-            <a:endParaRPr lang="en-GB" sz="1400" b="1" dirty="0"/>
-          </a:p>
-        </p:txBody>
-      </p:sp>
-      <p:sp>
-        <p:nvSpPr>
-          <p:cNvPr id="90" name="Rounded Rectangle 42"/>
-          <p:cNvSpPr/>
-          <p:nvPr/>
-        </p:nvSpPr>
-        <p:spPr>
-          <a:xfrm>
-            <a:off x="3347865" y="5689191"/>
-            <a:ext cx="1705690" cy="318125"/>
-          </a:xfrm>
-          <a:prstGeom prst="roundRect">
-            <a:avLst/>
-          </a:prstGeom>
-        </p:spPr>
-        <p:style>
-          <a:lnRef idx="2">
-            <a:schemeClr val="accent1">
-              <a:shade val="50000"/>
-            </a:schemeClr>
-          </a:lnRef>
-          <a:fillRef idx="1">
-            <a:schemeClr val="accent1"/>
-          </a:fillRef>
-          <a:effectRef idx="0">
-            <a:schemeClr val="accent1"/>
-          </a:effectRef>
-          <a:fontRef idx="minor">
-            <a:schemeClr val="lt1"/>
-          </a:fontRef>
-        </p:style>
-        <p:txBody>
-          <a:bodyPr rtlCol="0" anchor="ctr"/>
-          <a:lstStyle/>
-          <a:p>
-            <a:pPr algn="ctr"/>
-            <a:r>
-              <a:rPr lang="en-GB" sz="1200" dirty="0" smtClean="0"/>
-              <a:t>Go back to Home</a:t>
-            </a:r>
-            <a:endParaRPr lang="en-GB" sz="1200" dirty="0"/>
-          </a:p>
-        </p:txBody>
-      </p:sp>
-      <p:sp>
-        <p:nvSpPr>
-          <p:cNvPr id="49" name="TextBox 21"/>
-          <p:cNvSpPr txBox="1"/>
-          <p:nvPr/>
-        </p:nvSpPr>
-        <p:spPr>
-          <a:xfrm>
-            <a:off x="467544" y="2204864"/>
-            <a:ext cx="4104456" cy="276999"/>
-          </a:xfrm>
-          <a:prstGeom prst="rect">
-            <a:avLst/>
-          </a:prstGeom>
-          <a:noFill/>
-        </p:spPr>
-        <p:txBody>
-          <a:bodyPr wrap="square" rtlCol="0">
-            <a:spAutoFit/>
-          </a:bodyPr>
-          <a:lstStyle/>
-          <a:p>
-            <a:r>
-              <a:rPr lang="en-GB" sz="1200" dirty="0" smtClean="0"/>
-              <a:t>Thank you very much for shopping at</a:t>
-            </a:r>
-            <a:endParaRPr lang="en-GB" sz="1200" dirty="0"/>
-          </a:p>
-        </p:txBody>
-      </p:sp>
-      <p:sp>
-        <p:nvSpPr>
-          <p:cNvPr id="50" name="Oval 4"/>
-          <p:cNvSpPr/>
-          <p:nvPr/>
-        </p:nvSpPr>
-        <p:spPr>
-          <a:xfrm>
-            <a:off x="1619672" y="2636912"/>
-            <a:ext cx="2088232" cy="1152128"/>
-          </a:xfrm>
-          <a:prstGeom prst="ellipse">
-            <a:avLst/>
-          </a:prstGeom>
-        </p:spPr>
-        <p:style>
-          <a:lnRef idx="2">
-            <a:schemeClr val="accent1">
-              <a:shade val="50000"/>
-            </a:schemeClr>
-          </a:lnRef>
-          <a:fillRef idx="1">
-            <a:schemeClr val="accent1"/>
-          </a:fillRef>
-          <a:effectRef idx="0">
-            <a:schemeClr val="accent1"/>
-          </a:effectRef>
-          <a:fontRef idx="minor">
-            <a:schemeClr val="lt1"/>
-          </a:fontRef>
-        </p:style>
-        <p:txBody>
-          <a:bodyPr rtlCol="0" anchor="ctr"/>
-          <a:lstStyle/>
-          <a:p>
-            <a:pPr algn="ctr"/>
-            <a:r>
-              <a:rPr lang="en-GB" dirty="0" smtClean="0"/>
-              <a:t>Logo</a:t>
-            </a:r>
-            <a:endParaRPr lang="en-GB" dirty="0"/>
-          </a:p>
-        </p:txBody>
-      </p:sp>
-      <p:sp>
-        <p:nvSpPr>
-          <p:cNvPr id="51" name="TextBox 21"/>
-          <p:cNvSpPr txBox="1"/>
-          <p:nvPr/>
-        </p:nvSpPr>
-        <p:spPr>
-          <a:xfrm>
-            <a:off x="467544" y="3933056"/>
-            <a:ext cx="4104456" cy="646331"/>
-          </a:xfrm>
-          <a:prstGeom prst="rect">
-            <a:avLst/>
-          </a:prstGeom>
-          <a:noFill/>
-        </p:spPr>
-        <p:txBody>
-          <a:bodyPr wrap="square" rtlCol="0">
-            <a:spAutoFit/>
-          </a:bodyPr>
-          <a:lstStyle/>
-          <a:p>
-            <a:r>
-              <a:rPr lang="en-GB" sz="1200" dirty="0" smtClean="0"/>
-              <a:t>Your order will be carried out as fast as possible.</a:t>
-            </a:r>
-          </a:p>
-          <a:p>
-            <a:endParaRPr lang="en-GB" sz="1200" dirty="0" smtClean="0"/>
-          </a:p>
-          <a:p>
-            <a:r>
-              <a:rPr lang="en-GB" sz="1200" dirty="0" smtClean="0"/>
-              <a:t>We would be honoured to welcome you again in our web shop.</a:t>
-            </a:r>
-            <a:endParaRPr lang="en-GB" sz="1200" dirty="0"/>
-          </a:p>
-        </p:txBody>
-      </p:sp>
-      <p:sp>
-        <p:nvSpPr>
-          <p:cNvPr id="53" name="Rounded Rectangle 42"/>
-          <p:cNvSpPr/>
-          <p:nvPr/>
-        </p:nvSpPr>
-        <p:spPr>
-          <a:xfrm>
-            <a:off x="611560" y="5697824"/>
-            <a:ext cx="1705690" cy="318125"/>
-          </a:xfrm>
-          <a:prstGeom prst="roundRect">
-            <a:avLst/>
-          </a:prstGeom>
-        </p:spPr>
-        <p:style>
-          <a:lnRef idx="2">
-            <a:schemeClr val="accent1">
-              <a:shade val="50000"/>
-            </a:schemeClr>
-          </a:lnRef>
-          <a:fillRef idx="1">
-            <a:schemeClr val="accent1"/>
-          </a:fillRef>
-          <a:effectRef idx="0">
-            <a:schemeClr val="accent1"/>
-          </a:effectRef>
-          <a:fontRef idx="minor">
-            <a:schemeClr val="lt1"/>
-          </a:fontRef>
-        </p:style>
-        <p:txBody>
-          <a:bodyPr rtlCol="0" anchor="ctr"/>
-          <a:lstStyle/>
-          <a:p>
-            <a:pPr algn="ctr"/>
-            <a:r>
-              <a:rPr lang="en-GB" sz="1200" dirty="0" smtClean="0"/>
-              <a:t>See order status</a:t>
-            </a:r>
-            <a:endParaRPr lang="en-GB" sz="1200" dirty="0"/>
-          </a:p>
-        </p:txBody>
-      </p:sp>
-      <p:sp>
-        <p:nvSpPr>
-          <p:cNvPr id="38" name="Espace réservé du numéro de diapositive 37"/>
-          <p:cNvSpPr>
-            <a:spLocks noGrp="1"/>
-          </p:cNvSpPr>
-          <p:nvPr>
-            <p:ph type="sldNum" sz="quarter" idx="12"/>
-          </p:nvPr>
-        </p:nvSpPr>
-        <p:spPr/>
-        <p:txBody>
-          <a:bodyPr/>
-          <a:lstStyle/>
-          <a:p>
-            <a:fld id="{3055DF15-42B6-4BFF-B68D-63E611223A70}" type="slidenum">
-              <a:rPr lang="en-GB" smtClean="0"/>
-              <a:pPr/>
-              <a:t>15</a:t>
-            </a:fld>
-            <a:endParaRPr lang="en-GB"/>
-          </a:p>
-        </p:txBody>
-      </p:sp>
     </p:spTree>
   </p:cSld>
   <p:clrMapOvr>
@@ -20034,15 +20030,7 @@
           <a:p>
             <a:r>
               <a:rPr lang="en-GB" sz="1400" dirty="0" smtClean="0"/>
-              <a:t>When you click on the </a:t>
-            </a:r>
-            <a:r>
-              <a:rPr lang="en-GB" sz="1400" dirty="0" smtClean="0"/>
-              <a:t>“Bottoms” button in the local menu systems, </a:t>
-            </a:r>
-            <a:r>
-              <a:rPr lang="en-GB" sz="1400" dirty="0" smtClean="0"/>
-              <a:t>this screen is shown.</a:t>
+              <a:t>When you click on the “Bottoms” button in the local menu systems, this screen is shown.</a:t>
             </a:r>
             <a:endParaRPr lang="en-GB" sz="1400" dirty="0"/>
           </a:p>
@@ -24113,15 +24101,7 @@
           <a:p>
             <a:r>
               <a:rPr lang="en-GB" sz="1400" dirty="0" smtClean="0"/>
-              <a:t>When you click on the </a:t>
-            </a:r>
-            <a:r>
-              <a:rPr lang="en-GB" sz="1400" dirty="0" smtClean="0"/>
-              <a:t>“Trousers” button in the local submenu systems, </a:t>
-            </a:r>
-            <a:r>
-              <a:rPr lang="en-GB" sz="1400" dirty="0" smtClean="0"/>
-              <a:t>this screen is shown.</a:t>
+              <a:t>When you click on the “Trousers” button in the local submenu systems, this screen is shown.</a:t>
             </a:r>
             <a:endParaRPr lang="en-GB" sz="1400" dirty="0"/>
           </a:p>
@@ -27514,11 +27494,7 @@
             <a:pPr algn="ctr"/>
             <a:r>
               <a:rPr lang="en-GB" sz="1200" dirty="0" smtClean="0"/>
-              <a:t>Choose </a:t>
-            </a:r>
-            <a:r>
-              <a:rPr lang="en-GB" sz="1200" dirty="0" smtClean="0"/>
-              <a:t>Colour</a:t>
+              <a:t>Choose Colour</a:t>
             </a:r>
             <a:endParaRPr lang="en-GB" sz="1200" dirty="0"/>
           </a:p>
@@ -27673,15 +27649,7 @@
           <a:p>
             <a:r>
               <a:rPr lang="en-GB" sz="1400" dirty="0" smtClean="0"/>
-              <a:t>The screen </a:t>
-            </a:r>
-            <a:r>
-              <a:rPr lang="en-GB" sz="1400" dirty="0" smtClean="0"/>
-              <a:t>is shown </a:t>
-            </a:r>
-            <a:r>
-              <a:rPr lang="en-GB" sz="1400" dirty="0" smtClean="0"/>
-              <a:t>for a selected item. </a:t>
+              <a:t>The screen is shown for a selected item. </a:t>
             </a:r>
             <a:endParaRPr lang="en-GB" sz="1400" dirty="0"/>
           </a:p>
@@ -28841,11 +28809,7 @@
           <a:p>
             <a:r>
               <a:rPr lang="en-GB" sz="1400" dirty="0" smtClean="0"/>
-              <a:t>The shopping </a:t>
-            </a:r>
-            <a:r>
-              <a:rPr lang="en-GB" sz="1400" dirty="0" smtClean="0"/>
-              <a:t>cart is shown when the user press the “Cart” button. </a:t>
+              <a:t>The shopping cart is shown when the user press the “Cart” button. </a:t>
             </a:r>
             <a:endParaRPr lang="en-GB" sz="1400" dirty="0"/>
           </a:p>
@@ -29721,32 +29685,6 @@
           </p:txBody>
         </p:sp>
       </p:grpSp>
-      <p:pic>
-        <p:nvPicPr>
-          <p:cNvPr id="83" name="Picture 2" descr="C:\Users\u01sit11\Desktop\Capture.PNG"/>
-          <p:cNvPicPr>
-            <a:picLocks noChangeAspect="1" noChangeArrowheads="1"/>
-          </p:cNvPicPr>
-          <p:nvPr/>
-        </p:nvPicPr>
-        <p:blipFill>
-          <a:blip r:embed="rId2" cstate="print"/>
-          <a:srcRect/>
-          <a:stretch>
-            <a:fillRect/>
-          </a:stretch>
-        </p:blipFill>
-        <p:spPr bwMode="auto">
-          <a:xfrm>
-            <a:off x="2123728" y="2420888"/>
-            <a:ext cx="969044" cy="697037"/>
-          </a:xfrm>
-          <a:prstGeom prst="rect">
-            <a:avLst/>
-          </a:prstGeom>
-          <a:noFill/>
-        </p:spPr>
-      </p:pic>
       <p:sp>
         <p:nvSpPr>
           <p:cNvPr id="84" name="TextBox 70"/>
@@ -29771,7 +29709,7 @@
           <a:p>
             <a:r>
               <a:rPr lang="en-GB" sz="1100" dirty="0" smtClean="0"/>
-              <a:t>T-shirt</a:t>
+              <a:t>Trouser</a:t>
             </a:r>
             <a:endParaRPr lang="en-GB" sz="1100" dirty="0"/>
           </a:p>
@@ -29983,6 +29921,32 @@
           </a:p>
         </p:txBody>
       </p:sp>
+      <p:pic>
+        <p:nvPicPr>
+          <p:cNvPr id="1028" name="Picture 4" descr="D:\Downloads\CA324063.jpg"/>
+          <p:cNvPicPr>
+            <a:picLocks noChangeAspect="1" noChangeArrowheads="1"/>
+          </p:cNvPicPr>
+          <p:nvPr/>
+        </p:nvPicPr>
+        <p:blipFill>
+          <a:blip r:embed="rId2" cstate="print"/>
+          <a:srcRect/>
+          <a:stretch>
+            <a:fillRect/>
+          </a:stretch>
+        </p:blipFill>
+        <p:spPr bwMode="auto">
+          <a:xfrm>
+            <a:off x="2267744" y="2348880"/>
+            <a:ext cx="615033" cy="792088"/>
+          </a:xfrm>
+          <a:prstGeom prst="rect">
+            <a:avLst/>
+          </a:prstGeom>
+          <a:noFill/>
+        </p:spPr>
+      </p:pic>
     </p:spTree>
   </p:cSld>
   <p:clrMapOvr>
